--- a/Git101_WWC.pptx
+++ b/Git101_WWC.pptx
@@ -4,20 +4,24 @@
   <p:sldMasterIdLst>
     <p:sldMasterId id="2147483648" r:id="rId1"/>
   </p:sldMasterIdLst>
+  <p:notesMasterIdLst>
+    <p:notesMasterId r:id="rId16"/>
+  </p:notesMasterIdLst>
   <p:sldIdLst>
     <p:sldId id="256" r:id="rId2"/>
     <p:sldId id="257" r:id="rId3"/>
     <p:sldId id="258" r:id="rId4"/>
-    <p:sldId id="260" r:id="rId5"/>
+    <p:sldId id="270" r:id="rId5"/>
     <p:sldId id="259" r:id="rId6"/>
-    <p:sldId id="263" r:id="rId7"/>
-    <p:sldId id="269" r:id="rId8"/>
-    <p:sldId id="261" r:id="rId9"/>
-    <p:sldId id="262" r:id="rId10"/>
-    <p:sldId id="265" r:id="rId11"/>
-    <p:sldId id="266" r:id="rId12"/>
-    <p:sldId id="268" r:id="rId13"/>
-    <p:sldId id="267" r:id="rId14"/>
+    <p:sldId id="260" r:id="rId7"/>
+    <p:sldId id="263" r:id="rId8"/>
+    <p:sldId id="269" r:id="rId9"/>
+    <p:sldId id="261" r:id="rId10"/>
+    <p:sldId id="262" r:id="rId11"/>
+    <p:sldId id="265" r:id="rId12"/>
+    <p:sldId id="266" r:id="rId13"/>
+    <p:sldId id="268" r:id="rId14"/>
+    <p:sldId id="267" r:id="rId15"/>
   </p:sldIdLst>
   <p:sldSz cx="12192000" cy="6858000"/>
   <p:notesSz cx="6858000" cy="9144000"/>
@@ -124,6 +128,618 @@
 </p:presentation>
 </file>
 
+<file path=ppt/revisionInfo.xml><?xml version="1.0" encoding="utf-8"?>
+<p1510:revInfo xmlns:a="http://schemas.openxmlformats.org/drawingml/2006/main" xmlns:r="http://schemas.openxmlformats.org/officeDocument/2006/relationships" xmlns:p1510="http://schemas.microsoft.com/office/powerpoint/2015/10/main">
+  <p1510:revLst>
+    <p1510:client id="{F5FF0406-A678-4EE8-8843-0D2C059E315F}" v="1289" dt="2019-10-18T17:29:50.715"/>
+  </p1510:revLst>
+</p1510:revInfo>
+</file>
+
+<file path=ppt/changesInfos/changesInfo1.xml><?xml version="1.0" encoding="utf-8"?>
+<pc:chgInfo xmlns:a="http://schemas.openxmlformats.org/drawingml/2006/main" xmlns:r="http://schemas.openxmlformats.org/officeDocument/2006/relationships" xmlns:ac="http://schemas.microsoft.com/office/drawing/2013/main/command" xmlns:pc="http://schemas.microsoft.com/office/powerpoint/2013/main/command">
+  <pc:docChgLst>
+    <pc:chgData name="Sumit Kadu" userId="ecfad0baf7b5e261" providerId="Windows Live" clId="Web-{F5FF0406-A678-4EE8-8843-0D2C059E315F}"/>
+    <pc:docChg chg="addSld modSld sldOrd">
+      <pc:chgData name="Sumit Kadu" userId="ecfad0baf7b5e261" providerId="Windows Live" clId="Web-{F5FF0406-A678-4EE8-8843-0D2C059E315F}" dt="2019-10-18T17:29:50.715" v="1285" actId="1076"/>
+      <pc:docMkLst>
+        <pc:docMk/>
+      </pc:docMkLst>
+      <pc:sldChg chg="modSp">
+        <pc:chgData name="Sumit Kadu" userId="ecfad0baf7b5e261" providerId="Windows Live" clId="Web-{F5FF0406-A678-4EE8-8843-0D2C059E315F}" dt="2019-10-18T17:21:11.071" v="1272" actId="14100"/>
+        <pc:sldMkLst>
+          <pc:docMk/>
+          <pc:sldMk cId="2660845058" sldId="258"/>
+        </pc:sldMkLst>
+        <pc:spChg chg="mod">
+          <ac:chgData name="Sumit Kadu" userId="ecfad0baf7b5e261" providerId="Windows Live" clId="Web-{F5FF0406-A678-4EE8-8843-0D2C059E315F}" dt="2019-10-18T17:21:11.071" v="1272" actId="14100"/>
+          <ac:spMkLst>
+            <pc:docMk/>
+            <pc:sldMk cId="2660845058" sldId="258"/>
+            <ac:spMk id="4" creationId="{633E47F3-DCAC-441D-A021-628064A68797}"/>
+          </ac:spMkLst>
+        </pc:spChg>
+      </pc:sldChg>
+      <pc:sldChg chg="modSp ord">
+        <pc:chgData name="Sumit Kadu" userId="ecfad0baf7b5e261" providerId="Windows Live" clId="Web-{F5FF0406-A678-4EE8-8843-0D2C059E315F}" dt="2019-10-18T17:24:15.369" v="1278" actId="14100"/>
+        <pc:sldMkLst>
+          <pc:docMk/>
+          <pc:sldMk cId="2818668750" sldId="259"/>
+        </pc:sldMkLst>
+        <pc:spChg chg="mod">
+          <ac:chgData name="Sumit Kadu" userId="ecfad0baf7b5e261" providerId="Windows Live" clId="Web-{F5FF0406-A678-4EE8-8843-0D2C059E315F}" dt="2019-10-18T17:24:15.369" v="1278" actId="14100"/>
+          <ac:spMkLst>
+            <pc:docMk/>
+            <pc:sldMk cId="2818668750" sldId="259"/>
+            <ac:spMk id="9" creationId="{A92D1627-6BD8-42C1-BC9E-F97B04F680BA}"/>
+          </ac:spMkLst>
+        </pc:spChg>
+      </pc:sldChg>
+      <pc:sldChg chg="modSp">
+        <pc:chgData name="Sumit Kadu" userId="ecfad0baf7b5e261" providerId="Windows Live" clId="Web-{F5FF0406-A678-4EE8-8843-0D2C059E315F}" dt="2019-10-18T17:25:56.761" v="1281" actId="1076"/>
+        <pc:sldMkLst>
+          <pc:docMk/>
+          <pc:sldMk cId="2728368587" sldId="263"/>
+        </pc:sldMkLst>
+        <pc:spChg chg="mod">
+          <ac:chgData name="Sumit Kadu" userId="ecfad0baf7b5e261" providerId="Windows Live" clId="Web-{F5FF0406-A678-4EE8-8843-0D2C059E315F}" dt="2019-10-18T17:25:56.761" v="1281" actId="1076"/>
+          <ac:spMkLst>
+            <pc:docMk/>
+            <pc:sldMk cId="2728368587" sldId="263"/>
+            <ac:spMk id="6" creationId="{B193AE27-7B17-49D9-B934-EECE2FAA7164}"/>
+          </ac:spMkLst>
+        </pc:spChg>
+        <pc:spChg chg="mod">
+          <ac:chgData name="Sumit Kadu" userId="ecfad0baf7b5e261" providerId="Windows Live" clId="Web-{F5FF0406-A678-4EE8-8843-0D2C059E315F}" dt="2019-10-18T17:25:44.464" v="1280" actId="1076"/>
+          <ac:spMkLst>
+            <pc:docMk/>
+            <pc:sldMk cId="2728368587" sldId="263"/>
+            <ac:spMk id="9" creationId="{A92D1627-6BD8-42C1-BC9E-F97B04F680BA}"/>
+          </ac:spMkLst>
+        </pc:spChg>
+      </pc:sldChg>
+      <pc:sldChg chg="modSp">
+        <pc:chgData name="Sumit Kadu" userId="ecfad0baf7b5e261" providerId="Windows Live" clId="Web-{F5FF0406-A678-4EE8-8843-0D2C059E315F}" dt="2019-10-18T17:29:50.715" v="1285" actId="1076"/>
+        <pc:sldMkLst>
+          <pc:docMk/>
+          <pc:sldMk cId="3815192892" sldId="267"/>
+        </pc:sldMkLst>
+        <pc:spChg chg="mod">
+          <ac:chgData name="Sumit Kadu" userId="ecfad0baf7b5e261" providerId="Windows Live" clId="Web-{F5FF0406-A678-4EE8-8843-0D2C059E315F}" dt="2019-10-18T17:29:50.715" v="1285" actId="1076"/>
+          <ac:spMkLst>
+            <pc:docMk/>
+            <pc:sldMk cId="3815192892" sldId="267"/>
+            <ac:spMk id="8" creationId="{608A8A71-2F06-47B0-A96B-2F1190096DE7}"/>
+          </ac:spMkLst>
+        </pc:spChg>
+      </pc:sldChg>
+      <pc:sldChg chg="modSp">
+        <pc:chgData name="Sumit Kadu" userId="ecfad0baf7b5e261" providerId="Windows Live" clId="Web-{F5FF0406-A678-4EE8-8843-0D2C059E315F}" dt="2019-10-18T17:20:10.571" v="1268" actId="20577"/>
+        <pc:sldMkLst>
+          <pc:docMk/>
+          <pc:sldMk cId="768678882" sldId="268"/>
+        </pc:sldMkLst>
+        <pc:spChg chg="mod">
+          <ac:chgData name="Sumit Kadu" userId="ecfad0baf7b5e261" providerId="Windows Live" clId="Web-{F5FF0406-A678-4EE8-8843-0D2C059E315F}" dt="2019-10-18T17:20:10.571" v="1268" actId="20577"/>
+          <ac:spMkLst>
+            <pc:docMk/>
+            <pc:sldMk cId="768678882" sldId="268"/>
+            <ac:spMk id="6" creationId="{20F139FE-EB64-4C94-B0AD-5DF8896BC5E7}"/>
+          </ac:spMkLst>
+        </pc:spChg>
+      </pc:sldChg>
+      <pc:sldChg chg="delSp modSp add replId modNotes">
+        <pc:chgData name="Sumit Kadu" userId="ecfad0baf7b5e261" providerId="Windows Live" clId="Web-{F5FF0406-A678-4EE8-8843-0D2C059E315F}" dt="2019-10-18T17:17:55.680" v="1214" actId="20577"/>
+        <pc:sldMkLst>
+          <pc:docMk/>
+          <pc:sldMk cId="907291826" sldId="270"/>
+        </pc:sldMkLst>
+        <pc:spChg chg="del">
+          <ac:chgData name="Sumit Kadu" userId="ecfad0baf7b5e261" providerId="Windows Live" clId="Web-{F5FF0406-A678-4EE8-8843-0D2C059E315F}" dt="2019-10-18T16:59:50" v="15"/>
+          <ac:spMkLst>
+            <pc:docMk/>
+            <pc:sldMk cId="907291826" sldId="270"/>
+            <ac:spMk id="4" creationId="{633E47F3-DCAC-441D-A021-628064A68797}"/>
+          </ac:spMkLst>
+        </pc:spChg>
+        <pc:spChg chg="mod">
+          <ac:chgData name="Sumit Kadu" userId="ecfad0baf7b5e261" providerId="Windows Live" clId="Web-{F5FF0406-A678-4EE8-8843-0D2C059E315F}" dt="2019-10-18T17:17:55.680" v="1214" actId="20577"/>
+          <ac:spMkLst>
+            <pc:docMk/>
+            <pc:sldMk cId="907291826" sldId="270"/>
+            <ac:spMk id="8" creationId="{608A8A71-2F06-47B0-A96B-2F1190096DE7}"/>
+          </ac:spMkLst>
+        </pc:spChg>
+        <pc:spChg chg="mod">
+          <ac:chgData name="Sumit Kadu" userId="ecfad0baf7b5e261" providerId="Windows Live" clId="Web-{F5FF0406-A678-4EE8-8843-0D2C059E315F}" dt="2019-10-18T17:17:37.273" v="1206" actId="20577"/>
+          <ac:spMkLst>
+            <pc:docMk/>
+            <pc:sldMk cId="907291826" sldId="270"/>
+            <ac:spMk id="9" creationId="{A92D1627-6BD8-42C1-BC9E-F97B04F680BA}"/>
+          </ac:spMkLst>
+        </pc:spChg>
+      </pc:sldChg>
+    </pc:docChg>
+  </pc:docChgLst>
+</pc:chgInfo>
+</file>
+
+<file path=ppt/notesMasters/notesMaster1.xml><?xml version="1.0" encoding="utf-8"?>
+<p:notesMaster xmlns:a="http://schemas.openxmlformats.org/drawingml/2006/main" xmlns:r="http://schemas.openxmlformats.org/officeDocument/2006/relationships" xmlns:p="http://schemas.openxmlformats.org/presentationml/2006/main">
+  <p:cSld>
+    <p:bg>
+      <p:bgRef idx="1001">
+        <a:schemeClr val="bg1"/>
+      </p:bgRef>
+    </p:bg>
+    <p:spTree>
+      <p:nvGrpSpPr>
+        <p:cNvPr id="1" name=""/>
+        <p:cNvGrpSpPr/>
+        <p:nvPr/>
+      </p:nvGrpSpPr>
+      <p:grpSpPr>
+        <a:xfrm>
+          <a:off x="0" y="0"/>
+          <a:ext cx="0" cy="0"/>
+          <a:chOff x="0" y="0"/>
+          <a:chExt cx="0" cy="0"/>
+        </a:xfrm>
+      </p:grpSpPr>
+      <p:sp>
+        <p:nvSpPr>
+          <p:cNvPr id="2" name="Header Placeholder 1"/>
+          <p:cNvSpPr>
+            <a:spLocks noGrp="1"/>
+          </p:cNvSpPr>
+          <p:nvPr>
+            <p:ph type="hdr" sz="quarter"/>
+          </p:nvPr>
+        </p:nvSpPr>
+        <p:spPr>
+          <a:xfrm>
+            <a:off x="0" y="0"/>
+            <a:ext cx="2971800" cy="458788"/>
+          </a:xfrm>
+          <a:prstGeom prst="rect">
+            <a:avLst/>
+          </a:prstGeom>
+        </p:spPr>
+        <p:txBody>
+          <a:bodyPr vert="horz" lIns="91440" tIns="45720" rIns="91440" bIns="45720" rtlCol="0"/>
+          <a:lstStyle>
+            <a:lvl1pPr algn="l">
+              <a:defRPr sz="1200"/>
+            </a:lvl1pPr>
+          </a:lstStyle>
+          <a:p>
+            <a:endParaRPr lang="en-US"/>
+          </a:p>
+        </p:txBody>
+      </p:sp>
+      <p:sp>
+        <p:nvSpPr>
+          <p:cNvPr id="3" name="Date Placeholder 2"/>
+          <p:cNvSpPr>
+            <a:spLocks noGrp="1"/>
+          </p:cNvSpPr>
+          <p:nvPr>
+            <p:ph type="dt" idx="1"/>
+          </p:nvPr>
+        </p:nvSpPr>
+        <p:spPr>
+          <a:xfrm>
+            <a:off x="3884613" y="0"/>
+            <a:ext cx="2971800" cy="458788"/>
+          </a:xfrm>
+          <a:prstGeom prst="rect">
+            <a:avLst/>
+          </a:prstGeom>
+        </p:spPr>
+        <p:txBody>
+          <a:bodyPr vert="horz" lIns="91440" tIns="45720" rIns="91440" bIns="45720" rtlCol="0"/>
+          <a:lstStyle>
+            <a:lvl1pPr algn="r">
+              <a:defRPr sz="1200"/>
+            </a:lvl1pPr>
+          </a:lstStyle>
+          <a:p>
+            <a:fld id="{6017FE63-3665-47B3-8A41-A67C75B4C3AA}" type="datetimeFigureOut">
+              <a:rPr lang="en-US"/>
+              <a:t>10/18/2019</a:t>
+            </a:fld>
+            <a:endParaRPr lang="en-US"/>
+          </a:p>
+        </p:txBody>
+      </p:sp>
+      <p:sp>
+        <p:nvSpPr>
+          <p:cNvPr id="4" name="Slide Image Placeholder 3"/>
+          <p:cNvSpPr>
+            <a:spLocks noGrp="1" noRot="1" noChangeAspect="1"/>
+          </p:cNvSpPr>
+          <p:nvPr>
+            <p:ph type="sldImg" idx="2"/>
+          </p:nvPr>
+        </p:nvSpPr>
+        <p:spPr>
+          <a:xfrm>
+            <a:off x="685800" y="1143000"/>
+            <a:ext cx="5486400" cy="3086100"/>
+          </a:xfrm>
+          <a:prstGeom prst="rect">
+            <a:avLst/>
+          </a:prstGeom>
+          <a:noFill/>
+          <a:ln w="12700">
+            <a:solidFill>
+              <a:prstClr val="black"/>
+            </a:solidFill>
+          </a:ln>
+        </p:spPr>
+        <p:txBody>
+          <a:bodyPr vert="horz" lIns="91440" tIns="45720" rIns="91440" bIns="45720" rtlCol="0" anchor="ctr"/>
+          <a:lstStyle/>
+          <a:p>
+            <a:endParaRPr lang="en-US"/>
+          </a:p>
+        </p:txBody>
+      </p:sp>
+      <p:sp>
+        <p:nvSpPr>
+          <p:cNvPr id="5" name="Notes Placeholder 4"/>
+          <p:cNvSpPr>
+            <a:spLocks noGrp="1"/>
+          </p:cNvSpPr>
+          <p:nvPr>
+            <p:ph type="body" sz="quarter" idx="3"/>
+          </p:nvPr>
+        </p:nvSpPr>
+        <p:spPr>
+          <a:xfrm>
+            <a:off x="685800" y="4400550"/>
+            <a:ext cx="5486400" cy="3600450"/>
+          </a:xfrm>
+          <a:prstGeom prst="rect">
+            <a:avLst/>
+          </a:prstGeom>
+        </p:spPr>
+        <p:txBody>
+          <a:bodyPr vert="horz" lIns="91440" tIns="45720" rIns="91440" bIns="45720" rtlCol="0"/>
+          <a:lstStyle/>
+          <a:p>
+            <a:pPr lvl="0"/>
+            <a:r>
+              <a:rPr lang="en-US"/>
+              <a:t>Click to edit Master text styles</a:t>
+            </a:r>
+          </a:p>
+          <a:p>
+            <a:pPr lvl="1"/>
+            <a:r>
+              <a:rPr lang="en-US"/>
+              <a:t>Second level</a:t>
+            </a:r>
+          </a:p>
+          <a:p>
+            <a:pPr lvl="2"/>
+            <a:r>
+              <a:rPr lang="en-US"/>
+              <a:t>Third level</a:t>
+            </a:r>
+          </a:p>
+          <a:p>
+            <a:pPr lvl="3"/>
+            <a:r>
+              <a:rPr lang="en-US"/>
+              <a:t>Fourth level</a:t>
+            </a:r>
+          </a:p>
+          <a:p>
+            <a:pPr lvl="4"/>
+            <a:r>
+              <a:rPr lang="en-US"/>
+              <a:t>Fifth level</a:t>
+            </a:r>
+          </a:p>
+        </p:txBody>
+      </p:sp>
+      <p:sp>
+        <p:nvSpPr>
+          <p:cNvPr id="6" name="Footer Placeholder 5"/>
+          <p:cNvSpPr>
+            <a:spLocks noGrp="1"/>
+          </p:cNvSpPr>
+          <p:nvPr>
+            <p:ph type="ftr" sz="quarter" idx="4"/>
+          </p:nvPr>
+        </p:nvSpPr>
+        <p:spPr>
+          <a:xfrm>
+            <a:off x="0" y="8685213"/>
+            <a:ext cx="2971800" cy="458787"/>
+          </a:xfrm>
+          <a:prstGeom prst="rect">
+            <a:avLst/>
+          </a:prstGeom>
+        </p:spPr>
+        <p:txBody>
+          <a:bodyPr vert="horz" lIns="91440" tIns="45720" rIns="91440" bIns="45720" rtlCol="0" anchor="b"/>
+          <a:lstStyle>
+            <a:lvl1pPr algn="l">
+              <a:defRPr sz="1200"/>
+            </a:lvl1pPr>
+          </a:lstStyle>
+          <a:p>
+            <a:endParaRPr lang="en-US"/>
+          </a:p>
+        </p:txBody>
+      </p:sp>
+      <p:sp>
+        <p:nvSpPr>
+          <p:cNvPr id="7" name="Slide Number Placeholder 6"/>
+          <p:cNvSpPr>
+            <a:spLocks noGrp="1"/>
+          </p:cNvSpPr>
+          <p:nvPr>
+            <p:ph type="sldNum" sz="quarter" idx="5"/>
+          </p:nvPr>
+        </p:nvSpPr>
+        <p:spPr>
+          <a:xfrm>
+            <a:off x="3884613" y="8685213"/>
+            <a:ext cx="2971800" cy="458787"/>
+          </a:xfrm>
+          <a:prstGeom prst="rect">
+            <a:avLst/>
+          </a:prstGeom>
+        </p:spPr>
+        <p:txBody>
+          <a:bodyPr vert="horz" lIns="91440" tIns="45720" rIns="91440" bIns="45720" rtlCol="0" anchor="b"/>
+          <a:lstStyle>
+            <a:lvl1pPr algn="r">
+              <a:defRPr sz="1200"/>
+            </a:lvl1pPr>
+          </a:lstStyle>
+          <a:p>
+            <a:fld id="{AFF5A56C-649A-4188-86DA-0DF456A357C9}" type="slidenum">
+              <a:rPr lang="en-US"/>
+              <a:t>‹#›</a:t>
+            </a:fld>
+            <a:endParaRPr lang="en-US"/>
+          </a:p>
+        </p:txBody>
+      </p:sp>
+    </p:spTree>
+    <p:extLst>
+      <p:ext uri="{BB962C8B-B14F-4D97-AF65-F5344CB8AC3E}">
+        <p14:creationId xmlns:p14="http://schemas.microsoft.com/office/powerpoint/2010/main" val="923423730"/>
+      </p:ext>
+    </p:extLst>
+  </p:cSld>
+  <p:clrMap bg1="lt1" tx1="dk1" bg2="lt2" tx2="dk2" accent1="accent1" accent2="accent2" accent3="accent3" accent4="accent4" accent5="accent5" accent6="accent6" hlink="hlink" folHlink="folHlink"/>
+  <p:notesStyle>
+    <a:lvl1pPr marL="0" algn="l" defTabSz="914400" rtl="0" eaLnBrk="1" latinLnBrk="0" hangingPunct="1">
+      <a:defRPr sz="1200" kern="1200">
+        <a:solidFill>
+          <a:schemeClr val="tx1"/>
+        </a:solidFill>
+        <a:latin typeface="+mn-lt"/>
+        <a:ea typeface="+mn-ea"/>
+        <a:cs typeface="+mn-cs"/>
+      </a:defRPr>
+    </a:lvl1pPr>
+    <a:lvl2pPr marL="457200" algn="l" defTabSz="914400" rtl="0" eaLnBrk="1" latinLnBrk="0" hangingPunct="1">
+      <a:defRPr sz="1200" kern="1200">
+        <a:solidFill>
+          <a:schemeClr val="tx1"/>
+        </a:solidFill>
+        <a:latin typeface="+mn-lt"/>
+        <a:ea typeface="+mn-ea"/>
+        <a:cs typeface="+mn-cs"/>
+      </a:defRPr>
+    </a:lvl2pPr>
+    <a:lvl3pPr marL="914400" algn="l" defTabSz="914400" rtl="0" eaLnBrk="1" latinLnBrk="0" hangingPunct="1">
+      <a:defRPr sz="1200" kern="1200">
+        <a:solidFill>
+          <a:schemeClr val="tx1"/>
+        </a:solidFill>
+        <a:latin typeface="+mn-lt"/>
+        <a:ea typeface="+mn-ea"/>
+        <a:cs typeface="+mn-cs"/>
+      </a:defRPr>
+    </a:lvl3pPr>
+    <a:lvl4pPr marL="1371600" algn="l" defTabSz="914400" rtl="0" eaLnBrk="1" latinLnBrk="0" hangingPunct="1">
+      <a:defRPr sz="1200" kern="1200">
+        <a:solidFill>
+          <a:schemeClr val="tx1"/>
+        </a:solidFill>
+        <a:latin typeface="+mn-lt"/>
+        <a:ea typeface="+mn-ea"/>
+        <a:cs typeface="+mn-cs"/>
+      </a:defRPr>
+    </a:lvl4pPr>
+    <a:lvl5pPr marL="1828800" algn="l" defTabSz="914400" rtl="0" eaLnBrk="1" latinLnBrk="0" hangingPunct="1">
+      <a:defRPr sz="1200" kern="1200">
+        <a:solidFill>
+          <a:schemeClr val="tx1"/>
+        </a:solidFill>
+        <a:latin typeface="+mn-lt"/>
+        <a:ea typeface="+mn-ea"/>
+        <a:cs typeface="+mn-cs"/>
+      </a:defRPr>
+    </a:lvl5pPr>
+    <a:lvl6pPr marL="2286000" algn="l" defTabSz="914400" rtl="0" eaLnBrk="1" latinLnBrk="0" hangingPunct="1">
+      <a:defRPr sz="1200" kern="1200">
+        <a:solidFill>
+          <a:schemeClr val="tx1"/>
+        </a:solidFill>
+        <a:latin typeface="+mn-lt"/>
+        <a:ea typeface="+mn-ea"/>
+        <a:cs typeface="+mn-cs"/>
+      </a:defRPr>
+    </a:lvl6pPr>
+    <a:lvl7pPr marL="2743200" algn="l" defTabSz="914400" rtl="0" eaLnBrk="1" latinLnBrk="0" hangingPunct="1">
+      <a:defRPr sz="1200" kern="1200">
+        <a:solidFill>
+          <a:schemeClr val="tx1"/>
+        </a:solidFill>
+        <a:latin typeface="+mn-lt"/>
+        <a:ea typeface="+mn-ea"/>
+        <a:cs typeface="+mn-cs"/>
+      </a:defRPr>
+    </a:lvl7pPr>
+    <a:lvl8pPr marL="3200400" algn="l" defTabSz="914400" rtl="0" eaLnBrk="1" latinLnBrk="0" hangingPunct="1">
+      <a:defRPr sz="1200" kern="1200">
+        <a:solidFill>
+          <a:schemeClr val="tx1"/>
+        </a:solidFill>
+        <a:latin typeface="+mn-lt"/>
+        <a:ea typeface="+mn-ea"/>
+        <a:cs typeface="+mn-cs"/>
+      </a:defRPr>
+    </a:lvl8pPr>
+    <a:lvl9pPr marL="3657600" algn="l" defTabSz="914400" rtl="0" eaLnBrk="1" latinLnBrk="0" hangingPunct="1">
+      <a:defRPr sz="1200" kern="1200">
+        <a:solidFill>
+          <a:schemeClr val="tx1"/>
+        </a:solidFill>
+        <a:latin typeface="+mn-lt"/>
+        <a:ea typeface="+mn-ea"/>
+        <a:cs typeface="+mn-cs"/>
+      </a:defRPr>
+    </a:lvl9pPr>
+  </p:notesStyle>
+</p:notesMaster>
+</file>
+
+<file path=ppt/notesSlides/notesSlide1.xml><?xml version="1.0" encoding="utf-8"?>
+<p:notes xmlns:a="http://schemas.openxmlformats.org/drawingml/2006/main" xmlns:r="http://schemas.openxmlformats.org/officeDocument/2006/relationships" xmlns:p="http://schemas.openxmlformats.org/presentationml/2006/main">
+  <p:cSld>
+    <p:spTree>
+      <p:nvGrpSpPr>
+        <p:cNvPr id="1" name=""/>
+        <p:cNvGrpSpPr/>
+        <p:nvPr/>
+      </p:nvGrpSpPr>
+      <p:grpSpPr>
+        <a:xfrm>
+          <a:off x="0" y="0"/>
+          <a:ext cx="0" cy="0"/>
+          <a:chOff x="0" y="0"/>
+          <a:chExt cx="0" cy="0"/>
+        </a:xfrm>
+      </p:grpSpPr>
+      <p:sp>
+        <p:nvSpPr>
+          <p:cNvPr id="2" name="Slide Image Placeholder 1"/>
+          <p:cNvSpPr>
+            <a:spLocks noGrp="1" noRot="1" noChangeAspect="1"/>
+          </p:cNvSpPr>
+          <p:nvPr>
+            <p:ph type="sldImg"/>
+          </p:nvPr>
+        </p:nvSpPr>
+        <p:spPr/>
+      </p:sp>
+      <p:sp>
+        <p:nvSpPr>
+          <p:cNvPr id="3" name="Notes Placeholder 2"/>
+          <p:cNvSpPr>
+            <a:spLocks noGrp="1"/>
+          </p:cNvSpPr>
+          <p:nvPr>
+            <p:ph type="body" idx="1"/>
+          </p:nvPr>
+        </p:nvSpPr>
+        <p:spPr/>
+        <p:txBody>
+          <a:bodyPr/>
+          <a:lstStyle/>
+          <a:p>
+            <a:r>
+              <a:rPr lang="en-US" dirty="0"/>
+              <a:t>Built by Linus Torvalds. after many developers of the Linux kernel gave up access to </a:t>
+            </a:r>
+            <a:r>
+              <a:rPr lang="en-US" dirty="0" err="1"/>
+              <a:t>BitKeeper</a:t>
+            </a:r>
+            <a:r>
+              <a:rPr lang="en-US" dirty="0"/>
+              <a:t>, a proprietary source-control management (SCM) system that they had formerly used to maintain the project. The copyright holder of </a:t>
+            </a:r>
+            <a:r>
+              <a:rPr lang="en-US" dirty="0" err="1"/>
+              <a:t>BitKeeper</a:t>
+            </a:r>
+            <a:r>
+              <a:rPr lang="en-US" dirty="0"/>
+              <a:t>, Larry McVoy, had withdrawn free use of the product after claiming that Andrew </a:t>
+            </a:r>
+            <a:r>
+              <a:rPr lang="en-US" dirty="0" err="1"/>
+              <a:t>Tridgell</a:t>
+            </a:r>
+            <a:r>
+              <a:rPr lang="en-US" dirty="0"/>
+              <a:t> had created </a:t>
+            </a:r>
+            <a:r>
+              <a:rPr lang="en-US" dirty="0" err="1"/>
+              <a:t>SourcePuller</a:t>
+            </a:r>
+            <a:r>
+              <a:rPr lang="en-US" dirty="0"/>
+              <a:t> by reverse engineering the </a:t>
+            </a:r>
+            <a:r>
+              <a:rPr lang="en-US" dirty="0" err="1"/>
+              <a:t>BitKeeper</a:t>
+            </a:r>
+            <a:r>
+              <a:rPr lang="en-US" dirty="0"/>
+              <a:t> protocols. The same incident also spurred the creation of another version-control system, Mercurial.</a:t>
+            </a:r>
+          </a:p>
+        </p:txBody>
+      </p:sp>
+      <p:sp>
+        <p:nvSpPr>
+          <p:cNvPr id="4" name="Slide Number Placeholder 3"/>
+          <p:cNvSpPr>
+            <a:spLocks noGrp="1"/>
+          </p:cNvSpPr>
+          <p:nvPr>
+            <p:ph type="sldNum" sz="quarter" idx="5"/>
+          </p:nvPr>
+        </p:nvSpPr>
+        <p:spPr/>
+        <p:txBody>
+          <a:bodyPr/>
+          <a:lstStyle/>
+          <a:p>
+            <a:fld id="{AFF5A56C-649A-4188-86DA-0DF456A357C9}" type="slidenum">
+              <a:rPr lang="en-US"/>
+              <a:t>‹#›</a:t>
+            </a:fld>
+            <a:endParaRPr lang="en-US"/>
+          </a:p>
+        </p:txBody>
+      </p:sp>
+    </p:spTree>
+    <p:extLst>
+      <p:ext uri="{BB962C8B-B14F-4D97-AF65-F5344CB8AC3E}">
+        <p14:creationId xmlns:p14="http://schemas.microsoft.com/office/powerpoint/2010/main" val="3749295707"/>
+      </p:ext>
+    </p:extLst>
+  </p:cSld>
+  <p:clrMapOvr>
+    <a:masterClrMapping/>
+  </p:clrMapOvr>
+</p:notes>
+</file>
+
 <file path=ppt/slideLayouts/slideLayout1.xml><?xml version="1.0" encoding="utf-8"?>
 <p:sldLayout xmlns:a="http://schemas.openxmlformats.org/drawingml/2006/main" xmlns:r="http://schemas.openxmlformats.org/officeDocument/2006/relationships" xmlns:p="http://schemas.openxmlformats.org/presentationml/2006/main" type="title" preserve="1">
   <p:cSld name="Title Slide">
@@ -271,7 +887,7 @@
           <a:p>
             <a:fld id="{F2BD8AFA-B0C1-4AFC-8B26-2E00EA35DACD}" type="datetimeFigureOut">
               <a:rPr lang="en-US" smtClean="0"/>
-              <a:t>10/12/2019</a:t>
+              <a:t>10/18/2019</a:t>
             </a:fld>
             <a:endParaRPr lang="en-US"/>
           </a:p>
@@ -469,7 +1085,7 @@
           <a:p>
             <a:fld id="{F2BD8AFA-B0C1-4AFC-8B26-2E00EA35DACD}" type="datetimeFigureOut">
               <a:rPr lang="en-US" smtClean="0"/>
-              <a:t>10/12/2019</a:t>
+              <a:t>10/18/2019</a:t>
             </a:fld>
             <a:endParaRPr lang="en-US"/>
           </a:p>
@@ -677,7 +1293,7 @@
           <a:p>
             <a:fld id="{F2BD8AFA-B0C1-4AFC-8B26-2E00EA35DACD}" type="datetimeFigureOut">
               <a:rPr lang="en-US" smtClean="0"/>
-              <a:t>10/12/2019</a:t>
+              <a:t>10/18/2019</a:t>
             </a:fld>
             <a:endParaRPr lang="en-US"/>
           </a:p>
@@ -875,7 +1491,7 @@
           <a:p>
             <a:fld id="{F2BD8AFA-B0C1-4AFC-8B26-2E00EA35DACD}" type="datetimeFigureOut">
               <a:rPr lang="en-US" smtClean="0"/>
-              <a:t>10/12/2019</a:t>
+              <a:t>10/18/2019</a:t>
             </a:fld>
             <a:endParaRPr lang="en-US"/>
           </a:p>
@@ -1150,7 +1766,7 @@
           <a:p>
             <a:fld id="{F2BD8AFA-B0C1-4AFC-8B26-2E00EA35DACD}" type="datetimeFigureOut">
               <a:rPr lang="en-US" smtClean="0"/>
-              <a:t>10/12/2019</a:t>
+              <a:t>10/18/2019</a:t>
             </a:fld>
             <a:endParaRPr lang="en-US"/>
           </a:p>
@@ -1415,7 +2031,7 @@
           <a:p>
             <a:fld id="{F2BD8AFA-B0C1-4AFC-8B26-2E00EA35DACD}" type="datetimeFigureOut">
               <a:rPr lang="en-US" smtClean="0"/>
-              <a:t>10/12/2019</a:t>
+              <a:t>10/18/2019</a:t>
             </a:fld>
             <a:endParaRPr lang="en-US"/>
           </a:p>
@@ -1827,7 +2443,7 @@
           <a:p>
             <a:fld id="{F2BD8AFA-B0C1-4AFC-8B26-2E00EA35DACD}" type="datetimeFigureOut">
               <a:rPr lang="en-US" smtClean="0"/>
-              <a:t>10/12/2019</a:t>
+              <a:t>10/18/2019</a:t>
             </a:fld>
             <a:endParaRPr lang="en-US"/>
           </a:p>
@@ -1968,7 +2584,7 @@
           <a:p>
             <a:fld id="{F2BD8AFA-B0C1-4AFC-8B26-2E00EA35DACD}" type="datetimeFigureOut">
               <a:rPr lang="en-US" smtClean="0"/>
-              <a:t>10/12/2019</a:t>
+              <a:t>10/18/2019</a:t>
             </a:fld>
             <a:endParaRPr lang="en-US"/>
           </a:p>
@@ -2081,7 +2697,7 @@
           <a:p>
             <a:fld id="{F2BD8AFA-B0C1-4AFC-8B26-2E00EA35DACD}" type="datetimeFigureOut">
               <a:rPr lang="en-US" smtClean="0"/>
-              <a:t>10/12/2019</a:t>
+              <a:t>10/18/2019</a:t>
             </a:fld>
             <a:endParaRPr lang="en-US"/>
           </a:p>
@@ -2392,7 +3008,7 @@
           <a:p>
             <a:fld id="{F2BD8AFA-B0C1-4AFC-8B26-2E00EA35DACD}" type="datetimeFigureOut">
               <a:rPr lang="en-US" smtClean="0"/>
-              <a:t>10/12/2019</a:t>
+              <a:t>10/18/2019</a:t>
             </a:fld>
             <a:endParaRPr lang="en-US"/>
           </a:p>
@@ -2680,7 +3296,7 @@
           <a:p>
             <a:fld id="{F2BD8AFA-B0C1-4AFC-8B26-2E00EA35DACD}" type="datetimeFigureOut">
               <a:rPr lang="en-US" smtClean="0"/>
-              <a:t>10/12/2019</a:t>
+              <a:t>10/18/2019</a:t>
             </a:fld>
             <a:endParaRPr lang="en-US"/>
           </a:p>
@@ -2921,7 +3537,7 @@
           <a:p>
             <a:fld id="{F2BD8AFA-B0C1-4AFC-8B26-2E00EA35DACD}" type="datetimeFigureOut">
               <a:rPr lang="en-US" smtClean="0"/>
-              <a:t>10/12/2019</a:t>
+              <a:t>10/18/2019</a:t>
             </a:fld>
             <a:endParaRPr lang="en-US"/>
           </a:p>
@@ -3920,6 +4536,480 @@
         </p:nvSpPr>
         <p:spPr>
           <a:xfrm>
+            <a:off x="798990" y="265189"/>
+            <a:ext cx="10360501" cy="1223963"/>
+          </a:xfrm>
+          <a:prstGeom prst="rect">
+            <a:avLst/>
+          </a:prstGeom>
+        </p:spPr>
+        <p:txBody>
+          <a:bodyPr vert="horz" lIns="91440" tIns="45720" rIns="91440" bIns="45720" rtlCol="0" anchor="b">
+            <a:normAutofit/>
+          </a:bodyPr>
+          <a:lstStyle>
+            <a:lvl1pPr algn="ctr" defTabSz="914400" rtl="0" eaLnBrk="1" latinLnBrk="0" hangingPunct="1">
+              <a:lnSpc>
+                <a:spcPct val="90000"/>
+              </a:lnSpc>
+              <a:spcBef>
+                <a:spcPct val="0"/>
+              </a:spcBef>
+              <a:buNone/>
+              <a:defRPr sz="6000" kern="1200">
+                <a:solidFill>
+                  <a:schemeClr val="tx1"/>
+                </a:solidFill>
+                <a:latin typeface="+mj-lt"/>
+                <a:ea typeface="+mj-ea"/>
+                <a:cs typeface="+mj-cs"/>
+              </a:defRPr>
+            </a:lvl1pPr>
+          </a:lstStyle>
+          <a:p>
+            <a:pPr algn="l"/>
+            <a:r>
+              <a:rPr lang="en-US" dirty="0">
+                <a:latin typeface="Arial Nova Light" panose="020B0604020202020204" pitchFamily="34" charset="0"/>
+              </a:rPr>
+              <a:t>Common Git Commands</a:t>
+            </a:r>
+          </a:p>
+        </p:txBody>
+      </p:sp>
+      <p:sp>
+        <p:nvSpPr>
+          <p:cNvPr id="9" name="Content Placeholder 13">
+            <a:extLst>
+              <a:ext uri="{FF2B5EF4-FFF2-40B4-BE49-F238E27FC236}">
+                <a16:creationId xmlns:a16="http://schemas.microsoft.com/office/drawing/2014/main" id="{A92D1627-6BD8-42C1-BC9E-F97B04F680BA}"/>
+              </a:ext>
+            </a:extLst>
+          </p:cNvPr>
+          <p:cNvSpPr txBox="1">
+            <a:spLocks/>
+          </p:cNvSpPr>
+          <p:nvPr/>
+        </p:nvSpPr>
+        <p:spPr>
+          <a:xfrm>
+            <a:off x="798990" y="1722269"/>
+            <a:ext cx="10780393" cy="4861094"/>
+          </a:xfrm>
+          <a:prstGeom prst="rect">
+            <a:avLst/>
+          </a:prstGeom>
+        </p:spPr>
+        <p:txBody>
+          <a:bodyPr vert="horz" lIns="91440" tIns="45720" rIns="91440" bIns="45720" rtlCol="0">
+            <a:normAutofit fontScale="47500" lnSpcReduction="20000"/>
+          </a:bodyPr>
+          <a:lstStyle>
+            <a:lvl1pPr marL="0" indent="0" algn="ctr" defTabSz="914400" rtl="0" eaLnBrk="1" latinLnBrk="0" hangingPunct="1">
+              <a:lnSpc>
+                <a:spcPct val="90000"/>
+              </a:lnSpc>
+              <a:spcBef>
+                <a:spcPts val="1000"/>
+              </a:spcBef>
+              <a:buFont typeface="Arial" panose="020B0604020202020204" pitchFamily="34" charset="0"/>
+              <a:buNone/>
+              <a:defRPr sz="2400" kern="1200">
+                <a:solidFill>
+                  <a:schemeClr val="tx1"/>
+                </a:solidFill>
+                <a:latin typeface="+mn-lt"/>
+                <a:ea typeface="+mn-ea"/>
+                <a:cs typeface="+mn-cs"/>
+              </a:defRPr>
+            </a:lvl1pPr>
+            <a:lvl2pPr marL="457200" indent="0" algn="ctr" defTabSz="914400" rtl="0" eaLnBrk="1" latinLnBrk="0" hangingPunct="1">
+              <a:lnSpc>
+                <a:spcPct val="90000"/>
+              </a:lnSpc>
+              <a:spcBef>
+                <a:spcPts val="500"/>
+              </a:spcBef>
+              <a:buFont typeface="Arial" panose="020B0604020202020204" pitchFamily="34" charset="0"/>
+              <a:buNone/>
+              <a:defRPr sz="2000" kern="1200">
+                <a:solidFill>
+                  <a:schemeClr val="tx1"/>
+                </a:solidFill>
+                <a:latin typeface="+mn-lt"/>
+                <a:ea typeface="+mn-ea"/>
+                <a:cs typeface="+mn-cs"/>
+              </a:defRPr>
+            </a:lvl2pPr>
+            <a:lvl3pPr marL="914400" indent="0" algn="ctr" defTabSz="914400" rtl="0" eaLnBrk="1" latinLnBrk="0" hangingPunct="1">
+              <a:lnSpc>
+                <a:spcPct val="90000"/>
+              </a:lnSpc>
+              <a:spcBef>
+                <a:spcPts val="500"/>
+              </a:spcBef>
+              <a:buFont typeface="Arial" panose="020B0604020202020204" pitchFamily="34" charset="0"/>
+              <a:buNone/>
+              <a:defRPr sz="1800" kern="1200">
+                <a:solidFill>
+                  <a:schemeClr val="tx1"/>
+                </a:solidFill>
+                <a:latin typeface="+mn-lt"/>
+                <a:ea typeface="+mn-ea"/>
+                <a:cs typeface="+mn-cs"/>
+              </a:defRPr>
+            </a:lvl3pPr>
+            <a:lvl4pPr marL="1371600" indent="0" algn="ctr" defTabSz="914400" rtl="0" eaLnBrk="1" latinLnBrk="0" hangingPunct="1">
+              <a:lnSpc>
+                <a:spcPct val="90000"/>
+              </a:lnSpc>
+              <a:spcBef>
+                <a:spcPts val="500"/>
+              </a:spcBef>
+              <a:buFont typeface="Arial" panose="020B0604020202020204" pitchFamily="34" charset="0"/>
+              <a:buNone/>
+              <a:defRPr sz="1600" kern="1200">
+                <a:solidFill>
+                  <a:schemeClr val="tx1"/>
+                </a:solidFill>
+                <a:latin typeface="+mn-lt"/>
+                <a:ea typeface="+mn-ea"/>
+                <a:cs typeface="+mn-cs"/>
+              </a:defRPr>
+            </a:lvl4pPr>
+            <a:lvl5pPr marL="1828800" indent="0" algn="ctr" defTabSz="914400" rtl="0" eaLnBrk="1" latinLnBrk="0" hangingPunct="1">
+              <a:lnSpc>
+                <a:spcPct val="90000"/>
+              </a:lnSpc>
+              <a:spcBef>
+                <a:spcPts val="500"/>
+              </a:spcBef>
+              <a:buFont typeface="Arial" panose="020B0604020202020204" pitchFamily="34" charset="0"/>
+              <a:buNone/>
+              <a:defRPr sz="1600" kern="1200">
+                <a:solidFill>
+                  <a:schemeClr val="tx1"/>
+                </a:solidFill>
+                <a:latin typeface="+mn-lt"/>
+                <a:ea typeface="+mn-ea"/>
+                <a:cs typeface="+mn-cs"/>
+              </a:defRPr>
+            </a:lvl5pPr>
+            <a:lvl6pPr marL="2286000" indent="0" algn="ctr" defTabSz="914400" rtl="0" eaLnBrk="1" latinLnBrk="0" hangingPunct="1">
+              <a:lnSpc>
+                <a:spcPct val="90000"/>
+              </a:lnSpc>
+              <a:spcBef>
+                <a:spcPts val="500"/>
+              </a:spcBef>
+              <a:buFont typeface="Arial" panose="020B0604020202020204" pitchFamily="34" charset="0"/>
+              <a:buNone/>
+              <a:defRPr sz="1600" kern="1200">
+                <a:solidFill>
+                  <a:schemeClr val="tx1"/>
+                </a:solidFill>
+                <a:latin typeface="+mn-lt"/>
+                <a:ea typeface="+mn-ea"/>
+                <a:cs typeface="+mn-cs"/>
+              </a:defRPr>
+            </a:lvl6pPr>
+            <a:lvl7pPr marL="2743200" indent="0" algn="ctr" defTabSz="914400" rtl="0" eaLnBrk="1" latinLnBrk="0" hangingPunct="1">
+              <a:lnSpc>
+                <a:spcPct val="90000"/>
+              </a:lnSpc>
+              <a:spcBef>
+                <a:spcPts val="500"/>
+              </a:spcBef>
+              <a:buFont typeface="Arial" panose="020B0604020202020204" pitchFamily="34" charset="0"/>
+              <a:buNone/>
+              <a:defRPr sz="1600" kern="1200">
+                <a:solidFill>
+                  <a:schemeClr val="tx1"/>
+                </a:solidFill>
+                <a:latin typeface="+mn-lt"/>
+                <a:ea typeface="+mn-ea"/>
+                <a:cs typeface="+mn-cs"/>
+              </a:defRPr>
+            </a:lvl7pPr>
+            <a:lvl8pPr marL="3200400" indent="0" algn="ctr" defTabSz="914400" rtl="0" eaLnBrk="1" latinLnBrk="0" hangingPunct="1">
+              <a:lnSpc>
+                <a:spcPct val="90000"/>
+              </a:lnSpc>
+              <a:spcBef>
+                <a:spcPts val="500"/>
+              </a:spcBef>
+              <a:buFont typeface="Arial" panose="020B0604020202020204" pitchFamily="34" charset="0"/>
+              <a:buNone/>
+              <a:defRPr sz="1600" kern="1200">
+                <a:solidFill>
+                  <a:schemeClr val="tx1"/>
+                </a:solidFill>
+                <a:latin typeface="+mn-lt"/>
+                <a:ea typeface="+mn-ea"/>
+                <a:cs typeface="+mn-cs"/>
+              </a:defRPr>
+            </a:lvl8pPr>
+            <a:lvl9pPr marL="3657600" indent="0" algn="ctr" defTabSz="914400" rtl="0" eaLnBrk="1" latinLnBrk="0" hangingPunct="1">
+              <a:lnSpc>
+                <a:spcPct val="90000"/>
+              </a:lnSpc>
+              <a:spcBef>
+                <a:spcPts val="500"/>
+              </a:spcBef>
+              <a:buFont typeface="Arial" panose="020B0604020202020204" pitchFamily="34" charset="0"/>
+              <a:buNone/>
+              <a:defRPr sz="1600" kern="1200">
+                <a:solidFill>
+                  <a:schemeClr val="tx1"/>
+                </a:solidFill>
+                <a:latin typeface="+mn-lt"/>
+                <a:ea typeface="+mn-ea"/>
+                <a:cs typeface="+mn-cs"/>
+              </a:defRPr>
+            </a:lvl9pPr>
+          </a:lstStyle>
+          <a:p>
+            <a:pPr algn="l" fontAlgn="ctr">
+              <a:lnSpc>
+                <a:spcPct val="130000"/>
+              </a:lnSpc>
+            </a:pPr>
+            <a:r>
+              <a:rPr lang="en-US" sz="2500" b="1" u="sng" dirty="0">
+                <a:latin typeface="Arial Nova Light" panose="020B0304020202020204" pitchFamily="34" charset="0"/>
+              </a:rPr>
+              <a:t>Basic Commands:</a:t>
+            </a:r>
+          </a:p>
+          <a:p>
+            <a:pPr algn="l" fontAlgn="ctr">
+              <a:lnSpc>
+                <a:spcPct val="120000"/>
+              </a:lnSpc>
+            </a:pPr>
+            <a:r>
+              <a:rPr lang="en-US" sz="2500" b="1" dirty="0">
+                <a:latin typeface="Arial Nova Light" panose="020B0304020202020204" pitchFamily="34" charset="0"/>
+              </a:rPr>
+              <a:t>git init </a:t>
+            </a:r>
+            <a:r>
+              <a:rPr lang="en-US" sz="2500" dirty="0">
+                <a:latin typeface="Arial Nova Light" panose="020B0304020202020204" pitchFamily="34" charset="0"/>
+              </a:rPr>
+              <a:t>initializes a brand new Git repository and begins tracking an existing directory. It adds a hidden subfolder within the existing directory that houses the internal data structure required for version control.</a:t>
+            </a:r>
+          </a:p>
+          <a:p>
+            <a:pPr algn="l" fontAlgn="ctr">
+              <a:lnSpc>
+                <a:spcPct val="120000"/>
+              </a:lnSpc>
+            </a:pPr>
+            <a:r>
+              <a:rPr lang="en-US" sz="2500" b="1" dirty="0">
+                <a:latin typeface="Arial Nova Light" panose="020B0304020202020204" pitchFamily="34" charset="0"/>
+              </a:rPr>
+              <a:t>git clone </a:t>
+            </a:r>
+            <a:r>
+              <a:rPr lang="en-US" sz="2500" dirty="0">
+                <a:latin typeface="Arial Nova Light" panose="020B0304020202020204" pitchFamily="34" charset="0"/>
+              </a:rPr>
+              <a:t>creates a local copy of a project that already exists remotely. The clone includes all the project’s files, history, and branches.</a:t>
+            </a:r>
+          </a:p>
+          <a:p>
+            <a:pPr algn="l" fontAlgn="ctr">
+              <a:lnSpc>
+                <a:spcPct val="120000"/>
+              </a:lnSpc>
+            </a:pPr>
+            <a:r>
+              <a:rPr lang="en-US" sz="2500" b="1" dirty="0">
+                <a:latin typeface="Arial Nova Light" panose="020B0304020202020204" pitchFamily="34" charset="0"/>
+              </a:rPr>
+              <a:t>git add </a:t>
+            </a:r>
+            <a:r>
+              <a:rPr lang="en-US" sz="2500" dirty="0">
+                <a:latin typeface="Arial Nova Light" panose="020B0304020202020204" pitchFamily="34" charset="0"/>
+              </a:rPr>
+              <a:t>stages a change. Git tracks changes to a developer’s codebase, but it’s necessary to stage and take a snapshot of the changes to include them in the project’s history. This command performs staging, the first part of that two-step process. Any changes that are staged will become a part of the next snapshot and a part of the project’s history. Staging and committing separately gives developers complete control over the history of their project without changing how they code and work.</a:t>
+            </a:r>
+          </a:p>
+          <a:p>
+            <a:pPr algn="l" fontAlgn="ctr">
+              <a:lnSpc>
+                <a:spcPct val="120000"/>
+              </a:lnSpc>
+            </a:pPr>
+            <a:r>
+              <a:rPr lang="en-US" sz="2500" b="1" dirty="0">
+                <a:latin typeface="Arial Nova Light" panose="020B0304020202020204" pitchFamily="34" charset="0"/>
+              </a:rPr>
+              <a:t>git commit </a:t>
+            </a:r>
+            <a:r>
+              <a:rPr lang="en-US" sz="2500" dirty="0">
+                <a:latin typeface="Arial Nova Light" panose="020B0304020202020204" pitchFamily="34" charset="0"/>
+              </a:rPr>
+              <a:t>saves the snapshot to the project history and completes the change-tracking process. In short, a commit functions like taking a photo. Anything that’s been staged with git add will become a part of the snapshot with git commit.</a:t>
+            </a:r>
+          </a:p>
+          <a:p>
+            <a:pPr algn="l" fontAlgn="ctr">
+              <a:lnSpc>
+                <a:spcPct val="120000"/>
+              </a:lnSpc>
+            </a:pPr>
+            <a:r>
+              <a:rPr lang="en-US" sz="2500" b="1" dirty="0">
+                <a:latin typeface="Arial Nova Light" panose="020B0304020202020204" pitchFamily="34" charset="0"/>
+              </a:rPr>
+              <a:t>git status </a:t>
+            </a:r>
+            <a:r>
+              <a:rPr lang="en-US" sz="2500" dirty="0">
+                <a:latin typeface="Arial Nova Light" panose="020B0304020202020204" pitchFamily="34" charset="0"/>
+              </a:rPr>
+              <a:t>shows the status of changes as untracked, modified, or staged.</a:t>
+            </a:r>
+          </a:p>
+          <a:p>
+            <a:pPr algn="l" fontAlgn="ctr">
+              <a:lnSpc>
+                <a:spcPct val="120000"/>
+              </a:lnSpc>
+            </a:pPr>
+            <a:r>
+              <a:rPr lang="en-US" sz="2500" b="1" dirty="0">
+                <a:latin typeface="Arial Nova Light" panose="020B0304020202020204" pitchFamily="34" charset="0"/>
+              </a:rPr>
+              <a:t>git branch </a:t>
+            </a:r>
+            <a:r>
+              <a:rPr lang="en-US" sz="2500" dirty="0">
+                <a:latin typeface="Arial Nova Light" panose="020B0304020202020204" pitchFamily="34" charset="0"/>
+              </a:rPr>
+              <a:t>shows the branches being worked on locally.</a:t>
+            </a:r>
+          </a:p>
+          <a:p>
+            <a:pPr algn="l" fontAlgn="ctr">
+              <a:lnSpc>
+                <a:spcPct val="120000"/>
+              </a:lnSpc>
+            </a:pPr>
+            <a:r>
+              <a:rPr lang="en-US" sz="2500" b="1" dirty="0">
+                <a:latin typeface="Arial Nova Light" panose="020B0304020202020204" pitchFamily="34" charset="0"/>
+              </a:rPr>
+              <a:t>git merge </a:t>
+            </a:r>
+            <a:r>
+              <a:rPr lang="en-US" sz="2500" dirty="0">
+                <a:latin typeface="Arial Nova Light" panose="020B0304020202020204" pitchFamily="34" charset="0"/>
+              </a:rPr>
+              <a:t>merges lines of development together. This command is typically used to combine changes made on two distinct branches. For example, a developer would merge when they want to combine changes from a feature branch into the master branch for deployment.</a:t>
+            </a:r>
+          </a:p>
+          <a:p>
+            <a:pPr algn="l" fontAlgn="ctr">
+              <a:lnSpc>
+                <a:spcPct val="120000"/>
+              </a:lnSpc>
+            </a:pPr>
+            <a:r>
+              <a:rPr lang="en-US" sz="2500" b="1" dirty="0">
+                <a:latin typeface="Arial Nova Light" panose="020B0304020202020204" pitchFamily="34" charset="0"/>
+              </a:rPr>
+              <a:t>git pull </a:t>
+            </a:r>
+            <a:r>
+              <a:rPr lang="en-US" sz="2500" dirty="0">
+                <a:latin typeface="Arial Nova Light" panose="020B0304020202020204" pitchFamily="34" charset="0"/>
+              </a:rPr>
+              <a:t>updates the local line of development with updates from its remote counterpart. Developers use this command if a teammate has made commits to a branch on a remote, and they would like to reflect those changes in their local environment.</a:t>
+            </a:r>
+          </a:p>
+          <a:p>
+            <a:pPr algn="l" fontAlgn="ctr">
+              <a:lnSpc>
+                <a:spcPct val="120000"/>
+              </a:lnSpc>
+            </a:pPr>
+            <a:r>
+              <a:rPr lang="en-US" sz="2500" b="1" dirty="0">
+                <a:latin typeface="Arial Nova Light" panose="020B0304020202020204" pitchFamily="34" charset="0"/>
+              </a:rPr>
+              <a:t>git push </a:t>
+            </a:r>
+            <a:r>
+              <a:rPr lang="en-US" sz="2500" dirty="0">
+                <a:latin typeface="Arial Nova Light" panose="020B0304020202020204" pitchFamily="34" charset="0"/>
+              </a:rPr>
+              <a:t>updates the remote repository with any commits made locally to a branch.</a:t>
+            </a:r>
+          </a:p>
+          <a:p>
+            <a:pPr algn="l" fontAlgn="ctr">
+              <a:lnSpc>
+                <a:spcPct val="130000"/>
+              </a:lnSpc>
+            </a:pPr>
+            <a:endParaRPr lang="en-US" sz="1400" b="1" dirty="0">
+              <a:latin typeface="Arial Nova Light" panose="020B0304020202020204" pitchFamily="34" charset="0"/>
+            </a:endParaRPr>
+          </a:p>
+        </p:txBody>
+      </p:sp>
+    </p:spTree>
+    <p:extLst>
+      <p:ext uri="{BB962C8B-B14F-4D97-AF65-F5344CB8AC3E}">
+        <p14:creationId xmlns:p14="http://schemas.microsoft.com/office/powerpoint/2010/main" val="1283878377"/>
+      </p:ext>
+    </p:extLst>
+  </p:cSld>
+  <p:clrMapOvr>
+    <a:masterClrMapping/>
+  </p:clrMapOvr>
+</p:sld>
+</file>
+
+<file path=ppt/slides/slide11.xml><?xml version="1.0" encoding="utf-8"?>
+<p:sld xmlns:a="http://schemas.openxmlformats.org/drawingml/2006/main" xmlns:r="http://schemas.openxmlformats.org/officeDocument/2006/relationships" xmlns:p="http://schemas.openxmlformats.org/presentationml/2006/main">
+  <p:cSld>
+    <p:spTree>
+      <p:nvGrpSpPr>
+        <p:cNvPr id="1" name=""/>
+        <p:cNvGrpSpPr/>
+        <p:nvPr/>
+      </p:nvGrpSpPr>
+      <p:grpSpPr>
+        <a:xfrm>
+          <a:off x="0" y="0"/>
+          <a:ext cx="0" cy="0"/>
+          <a:chOff x="0" y="0"/>
+          <a:chExt cx="0" cy="0"/>
+        </a:xfrm>
+      </p:grpSpPr>
+      <p:sp>
+        <p:nvSpPr>
+          <p:cNvPr id="8" name="Title 12">
+            <a:extLst>
+              <a:ext uri="{FF2B5EF4-FFF2-40B4-BE49-F238E27FC236}">
+                <a16:creationId xmlns:a16="http://schemas.microsoft.com/office/drawing/2014/main" id="{608A8A71-2F06-47B0-A96B-2F1190096DE7}"/>
+              </a:ext>
+            </a:extLst>
+          </p:cNvPr>
+          <p:cNvSpPr txBox="1">
+            <a:spLocks/>
+          </p:cNvSpPr>
+          <p:nvPr/>
+        </p:nvSpPr>
+        <p:spPr>
+          <a:xfrm>
             <a:off x="596284" y="274637"/>
             <a:ext cx="10360501" cy="1223963"/>
           </a:xfrm>
@@ -4480,7 +5570,7 @@
 </p:sld>
 </file>
 
-<file path=ppt/slides/slide11.xml><?xml version="1.0" encoding="utf-8"?>
+<file path=ppt/slides/slide12.xml><?xml version="1.0" encoding="utf-8"?>
 <p:sld xmlns:a="http://schemas.openxmlformats.org/drawingml/2006/main" xmlns:r="http://schemas.openxmlformats.org/officeDocument/2006/relationships" xmlns:p="http://schemas.openxmlformats.org/presentationml/2006/main">
   <p:cSld>
     <p:spTree>
@@ -4942,392 +6032,6 @@
     <p:extLst>
       <p:ext uri="{BB962C8B-B14F-4D97-AF65-F5344CB8AC3E}">
         <p14:creationId xmlns:p14="http://schemas.microsoft.com/office/powerpoint/2010/main" val="3830717122"/>
-      </p:ext>
-    </p:extLst>
-  </p:cSld>
-  <p:clrMapOvr>
-    <a:masterClrMapping/>
-  </p:clrMapOvr>
-</p:sld>
-</file>
-
-<file path=ppt/slides/slide12.xml><?xml version="1.0" encoding="utf-8"?>
-<p:sld xmlns:a="http://schemas.openxmlformats.org/drawingml/2006/main" xmlns:r="http://schemas.openxmlformats.org/officeDocument/2006/relationships" xmlns:p="http://schemas.openxmlformats.org/presentationml/2006/main">
-  <p:cSld>
-    <p:spTree>
-      <p:nvGrpSpPr>
-        <p:cNvPr id="1" name=""/>
-        <p:cNvGrpSpPr/>
-        <p:nvPr/>
-      </p:nvGrpSpPr>
-      <p:grpSpPr>
-        <a:xfrm>
-          <a:off x="0" y="0"/>
-          <a:ext cx="0" cy="0"/>
-          <a:chOff x="0" y="0"/>
-          <a:chExt cx="0" cy="0"/>
-        </a:xfrm>
-      </p:grpSpPr>
-      <p:sp>
-        <p:nvSpPr>
-          <p:cNvPr id="8" name="Title 12">
-            <a:extLst>
-              <a:ext uri="{FF2B5EF4-FFF2-40B4-BE49-F238E27FC236}">
-                <a16:creationId xmlns:a16="http://schemas.microsoft.com/office/drawing/2014/main" id="{608A8A71-2F06-47B0-A96B-2F1190096DE7}"/>
-              </a:ext>
-            </a:extLst>
-          </p:cNvPr>
-          <p:cNvSpPr txBox="1">
-            <a:spLocks/>
-          </p:cNvSpPr>
-          <p:nvPr/>
-        </p:nvSpPr>
-        <p:spPr>
-          <a:xfrm>
-            <a:off x="798990" y="265759"/>
-            <a:ext cx="10360501" cy="1223963"/>
-          </a:xfrm>
-          <a:prstGeom prst="rect">
-            <a:avLst/>
-          </a:prstGeom>
-        </p:spPr>
-        <p:txBody>
-          <a:bodyPr vert="horz" lIns="91440" tIns="45720" rIns="91440" bIns="45720" rtlCol="0" anchor="b">
-            <a:normAutofit/>
-          </a:bodyPr>
-          <a:lstStyle>
-            <a:lvl1pPr algn="ctr" defTabSz="914400" rtl="0" eaLnBrk="1" latinLnBrk="0" hangingPunct="1">
-              <a:lnSpc>
-                <a:spcPct val="90000"/>
-              </a:lnSpc>
-              <a:spcBef>
-                <a:spcPct val="0"/>
-              </a:spcBef>
-              <a:buNone/>
-              <a:defRPr sz="6000" kern="1200">
-                <a:solidFill>
-                  <a:schemeClr val="tx1"/>
-                </a:solidFill>
-                <a:latin typeface="+mj-lt"/>
-                <a:ea typeface="+mj-ea"/>
-                <a:cs typeface="+mj-cs"/>
-              </a:defRPr>
-            </a:lvl1pPr>
-          </a:lstStyle>
-          <a:p>
-            <a:pPr algn="l"/>
-            <a:r>
-              <a:rPr lang="en-US" dirty="0">
-                <a:latin typeface="Arial Nova Light" panose="020B0604020202020204" pitchFamily="34" charset="0"/>
-              </a:rPr>
-              <a:t>References</a:t>
-            </a:r>
-          </a:p>
-        </p:txBody>
-      </p:sp>
-      <p:sp>
-        <p:nvSpPr>
-          <p:cNvPr id="6" name="Content Placeholder 13">
-            <a:extLst>
-              <a:ext uri="{FF2B5EF4-FFF2-40B4-BE49-F238E27FC236}">
-                <a16:creationId xmlns:a16="http://schemas.microsoft.com/office/drawing/2014/main" id="{20F139FE-EB64-4C94-B0AD-5DF8896BC5E7}"/>
-              </a:ext>
-            </a:extLst>
-          </p:cNvPr>
-          <p:cNvSpPr txBox="1">
-            <a:spLocks/>
-          </p:cNvSpPr>
-          <p:nvPr/>
-        </p:nvSpPr>
-        <p:spPr>
-          <a:xfrm>
-            <a:off x="798990" y="1722269"/>
-            <a:ext cx="10780393" cy="3959440"/>
-          </a:xfrm>
-          <a:prstGeom prst="rect">
-            <a:avLst/>
-          </a:prstGeom>
-        </p:spPr>
-        <p:txBody>
-          <a:bodyPr vert="horz" lIns="91440" tIns="45720" rIns="91440" bIns="45720" rtlCol="0">
-            <a:normAutofit/>
-          </a:bodyPr>
-          <a:lstStyle>
-            <a:lvl1pPr marL="0" indent="0" algn="ctr" defTabSz="914400" rtl="0" eaLnBrk="1" latinLnBrk="0" hangingPunct="1">
-              <a:lnSpc>
-                <a:spcPct val="90000"/>
-              </a:lnSpc>
-              <a:spcBef>
-                <a:spcPts val="1000"/>
-              </a:spcBef>
-              <a:buFont typeface="Arial" panose="020B0604020202020204" pitchFamily="34" charset="0"/>
-              <a:buNone/>
-              <a:defRPr sz="2400" kern="1200">
-                <a:solidFill>
-                  <a:schemeClr val="tx1"/>
-                </a:solidFill>
-                <a:latin typeface="+mn-lt"/>
-                <a:ea typeface="+mn-ea"/>
-                <a:cs typeface="+mn-cs"/>
-              </a:defRPr>
-            </a:lvl1pPr>
-            <a:lvl2pPr marL="457200" indent="0" algn="ctr" defTabSz="914400" rtl="0" eaLnBrk="1" latinLnBrk="0" hangingPunct="1">
-              <a:lnSpc>
-                <a:spcPct val="90000"/>
-              </a:lnSpc>
-              <a:spcBef>
-                <a:spcPts val="500"/>
-              </a:spcBef>
-              <a:buFont typeface="Arial" panose="020B0604020202020204" pitchFamily="34" charset="0"/>
-              <a:buNone/>
-              <a:defRPr sz="2000" kern="1200">
-                <a:solidFill>
-                  <a:schemeClr val="tx1"/>
-                </a:solidFill>
-                <a:latin typeface="+mn-lt"/>
-                <a:ea typeface="+mn-ea"/>
-                <a:cs typeface="+mn-cs"/>
-              </a:defRPr>
-            </a:lvl2pPr>
-            <a:lvl3pPr marL="914400" indent="0" algn="ctr" defTabSz="914400" rtl="0" eaLnBrk="1" latinLnBrk="0" hangingPunct="1">
-              <a:lnSpc>
-                <a:spcPct val="90000"/>
-              </a:lnSpc>
-              <a:spcBef>
-                <a:spcPts val="500"/>
-              </a:spcBef>
-              <a:buFont typeface="Arial" panose="020B0604020202020204" pitchFamily="34" charset="0"/>
-              <a:buNone/>
-              <a:defRPr sz="1800" kern="1200">
-                <a:solidFill>
-                  <a:schemeClr val="tx1"/>
-                </a:solidFill>
-                <a:latin typeface="+mn-lt"/>
-                <a:ea typeface="+mn-ea"/>
-                <a:cs typeface="+mn-cs"/>
-              </a:defRPr>
-            </a:lvl3pPr>
-            <a:lvl4pPr marL="1371600" indent="0" algn="ctr" defTabSz="914400" rtl="0" eaLnBrk="1" latinLnBrk="0" hangingPunct="1">
-              <a:lnSpc>
-                <a:spcPct val="90000"/>
-              </a:lnSpc>
-              <a:spcBef>
-                <a:spcPts val="500"/>
-              </a:spcBef>
-              <a:buFont typeface="Arial" panose="020B0604020202020204" pitchFamily="34" charset="0"/>
-              <a:buNone/>
-              <a:defRPr sz="1600" kern="1200">
-                <a:solidFill>
-                  <a:schemeClr val="tx1"/>
-                </a:solidFill>
-                <a:latin typeface="+mn-lt"/>
-                <a:ea typeface="+mn-ea"/>
-                <a:cs typeface="+mn-cs"/>
-              </a:defRPr>
-            </a:lvl4pPr>
-            <a:lvl5pPr marL="1828800" indent="0" algn="ctr" defTabSz="914400" rtl="0" eaLnBrk="1" latinLnBrk="0" hangingPunct="1">
-              <a:lnSpc>
-                <a:spcPct val="90000"/>
-              </a:lnSpc>
-              <a:spcBef>
-                <a:spcPts val="500"/>
-              </a:spcBef>
-              <a:buFont typeface="Arial" panose="020B0604020202020204" pitchFamily="34" charset="0"/>
-              <a:buNone/>
-              <a:defRPr sz="1600" kern="1200">
-                <a:solidFill>
-                  <a:schemeClr val="tx1"/>
-                </a:solidFill>
-                <a:latin typeface="+mn-lt"/>
-                <a:ea typeface="+mn-ea"/>
-                <a:cs typeface="+mn-cs"/>
-              </a:defRPr>
-            </a:lvl5pPr>
-            <a:lvl6pPr marL="2286000" indent="0" algn="ctr" defTabSz="914400" rtl="0" eaLnBrk="1" latinLnBrk="0" hangingPunct="1">
-              <a:lnSpc>
-                <a:spcPct val="90000"/>
-              </a:lnSpc>
-              <a:spcBef>
-                <a:spcPts val="500"/>
-              </a:spcBef>
-              <a:buFont typeface="Arial" panose="020B0604020202020204" pitchFamily="34" charset="0"/>
-              <a:buNone/>
-              <a:defRPr sz="1600" kern="1200">
-                <a:solidFill>
-                  <a:schemeClr val="tx1"/>
-                </a:solidFill>
-                <a:latin typeface="+mn-lt"/>
-                <a:ea typeface="+mn-ea"/>
-                <a:cs typeface="+mn-cs"/>
-              </a:defRPr>
-            </a:lvl6pPr>
-            <a:lvl7pPr marL="2743200" indent="0" algn="ctr" defTabSz="914400" rtl="0" eaLnBrk="1" latinLnBrk="0" hangingPunct="1">
-              <a:lnSpc>
-                <a:spcPct val="90000"/>
-              </a:lnSpc>
-              <a:spcBef>
-                <a:spcPts val="500"/>
-              </a:spcBef>
-              <a:buFont typeface="Arial" panose="020B0604020202020204" pitchFamily="34" charset="0"/>
-              <a:buNone/>
-              <a:defRPr sz="1600" kern="1200">
-                <a:solidFill>
-                  <a:schemeClr val="tx1"/>
-                </a:solidFill>
-                <a:latin typeface="+mn-lt"/>
-                <a:ea typeface="+mn-ea"/>
-                <a:cs typeface="+mn-cs"/>
-              </a:defRPr>
-            </a:lvl7pPr>
-            <a:lvl8pPr marL="3200400" indent="0" algn="ctr" defTabSz="914400" rtl="0" eaLnBrk="1" latinLnBrk="0" hangingPunct="1">
-              <a:lnSpc>
-                <a:spcPct val="90000"/>
-              </a:lnSpc>
-              <a:spcBef>
-                <a:spcPts val="500"/>
-              </a:spcBef>
-              <a:buFont typeface="Arial" panose="020B0604020202020204" pitchFamily="34" charset="0"/>
-              <a:buNone/>
-              <a:defRPr sz="1600" kern="1200">
-                <a:solidFill>
-                  <a:schemeClr val="tx1"/>
-                </a:solidFill>
-                <a:latin typeface="+mn-lt"/>
-                <a:ea typeface="+mn-ea"/>
-                <a:cs typeface="+mn-cs"/>
-              </a:defRPr>
-            </a:lvl8pPr>
-            <a:lvl9pPr marL="3657600" indent="0" algn="ctr" defTabSz="914400" rtl="0" eaLnBrk="1" latinLnBrk="0" hangingPunct="1">
-              <a:lnSpc>
-                <a:spcPct val="90000"/>
-              </a:lnSpc>
-              <a:spcBef>
-                <a:spcPts val="500"/>
-              </a:spcBef>
-              <a:buFont typeface="Arial" panose="020B0604020202020204" pitchFamily="34" charset="0"/>
-              <a:buNone/>
-              <a:defRPr sz="1600" kern="1200">
-                <a:solidFill>
-                  <a:schemeClr val="tx1"/>
-                </a:solidFill>
-                <a:latin typeface="+mn-lt"/>
-                <a:ea typeface="+mn-ea"/>
-                <a:cs typeface="+mn-cs"/>
-              </a:defRPr>
-            </a:lvl9pPr>
-          </a:lstStyle>
-          <a:p>
-            <a:pPr algn="l" fontAlgn="ctr">
-              <a:lnSpc>
-                <a:spcPct val="130000"/>
-              </a:lnSpc>
-            </a:pPr>
-            <a:r>
-              <a:rPr lang="en-US" sz="1400" b="1" dirty="0">
-                <a:latin typeface="Arial Nova Light" panose="020B0304020202020204" pitchFamily="34" charset="0"/>
-              </a:rPr>
-              <a:t>Git Image - </a:t>
-            </a:r>
-            <a:r>
-              <a:rPr lang="en-US" sz="1400" b="1" dirty="0">
-                <a:latin typeface="Arial Nova Light" panose="020B0304020202020204" pitchFamily="34" charset="0"/>
-                <a:hlinkClick r:id="rId2"/>
-              </a:rPr>
-              <a:t>https://git-scm.com/downloads/logos</a:t>
-            </a:r>
-            <a:endParaRPr lang="en-US" sz="1400" b="1" dirty="0">
-              <a:latin typeface="Arial Nova Light" panose="020B0304020202020204" pitchFamily="34" charset="0"/>
-            </a:endParaRPr>
-          </a:p>
-          <a:p>
-            <a:pPr algn="l" fontAlgn="ctr">
-              <a:lnSpc>
-                <a:spcPct val="130000"/>
-              </a:lnSpc>
-            </a:pPr>
-            <a:r>
-              <a:rPr lang="en-US" sz="1400" b="1" dirty="0">
-                <a:latin typeface="Arial Nova Light" panose="020B0304020202020204" pitchFamily="34" charset="0"/>
-                <a:hlinkClick r:id="rId3"/>
-              </a:rPr>
-              <a:t>https://guides.github.com/introduction/git-handbook/</a:t>
-            </a:r>
-            <a:endParaRPr lang="en-US" sz="1400" b="1" dirty="0">
-              <a:latin typeface="Arial Nova Light" panose="020B0304020202020204" pitchFamily="34" charset="0"/>
-            </a:endParaRPr>
-          </a:p>
-          <a:p>
-            <a:pPr algn="l" fontAlgn="ctr">
-              <a:lnSpc>
-                <a:spcPct val="130000"/>
-              </a:lnSpc>
-            </a:pPr>
-            <a:r>
-              <a:rPr lang="en-US" sz="1400" b="1" dirty="0">
-                <a:latin typeface="Arial Nova Light" panose="020B0304020202020204" pitchFamily="34" charset="0"/>
-              </a:rPr>
-              <a:t>Complete git reference: </a:t>
-            </a:r>
-            <a:r>
-              <a:rPr lang="en-US" sz="1400" b="1" dirty="0">
-                <a:latin typeface="Arial Nova Light" panose="020B0304020202020204" pitchFamily="34" charset="0"/>
-                <a:hlinkClick r:id="rId4"/>
-              </a:rPr>
-              <a:t>https://git-scm.com/docs</a:t>
-            </a:r>
-            <a:endParaRPr lang="en-US" sz="1400" b="1" dirty="0">
-              <a:latin typeface="Arial Nova Light" panose="020B0304020202020204" pitchFamily="34" charset="0"/>
-            </a:endParaRPr>
-          </a:p>
-          <a:p>
-            <a:pPr algn="l" fontAlgn="ctr">
-              <a:lnSpc>
-                <a:spcPct val="130000"/>
-              </a:lnSpc>
-            </a:pPr>
-            <a:r>
-              <a:rPr lang="en-US" sz="1400" b="1" dirty="0">
-                <a:latin typeface="Arial Nova Light" panose="020B0304020202020204" pitchFamily="34" charset="0"/>
-              </a:rPr>
-              <a:t>Branching Strategy - </a:t>
-            </a:r>
-            <a:r>
-              <a:rPr lang="en-US" sz="1400" b="1" dirty="0">
-                <a:latin typeface="Arial Nova Light" panose="020B0304020202020204" pitchFamily="34" charset="0"/>
-                <a:hlinkClick r:id="rId5"/>
-              </a:rPr>
-              <a:t>https://docs.microsoft.com/en-us/azure/devops/repos/git/git-branching-guidance?view=azure-devops</a:t>
-            </a:r>
-            <a:endParaRPr lang="en-US" sz="1400" b="1" dirty="0">
-              <a:latin typeface="Arial Nova Light" panose="020B0304020202020204" pitchFamily="34" charset="0"/>
-            </a:endParaRPr>
-          </a:p>
-          <a:p>
-            <a:pPr algn="l" fontAlgn="ctr">
-              <a:lnSpc>
-                <a:spcPct val="130000"/>
-              </a:lnSpc>
-            </a:pPr>
-            <a:endParaRPr lang="en-US" sz="1400" b="1" dirty="0">
-              <a:latin typeface="Arial Nova Light" panose="020B0304020202020204" pitchFamily="34" charset="0"/>
-            </a:endParaRPr>
-          </a:p>
-          <a:p>
-            <a:pPr algn="l" fontAlgn="ctr">
-              <a:lnSpc>
-                <a:spcPct val="130000"/>
-              </a:lnSpc>
-            </a:pPr>
-            <a:endParaRPr lang="en-US" sz="1400" b="1" dirty="0">
-              <a:latin typeface="Arial Nova Light" panose="020B0304020202020204" pitchFamily="34" charset="0"/>
-            </a:endParaRPr>
-          </a:p>
-        </p:txBody>
-      </p:sp>
-    </p:spTree>
-    <p:extLst>
-      <p:ext uri="{BB962C8B-B14F-4D97-AF65-F5344CB8AC3E}">
-        <p14:creationId xmlns:p14="http://schemas.microsoft.com/office/powerpoint/2010/main" val="768678882"/>
       </p:ext>
     </p:extLst>
   </p:cSld>
@@ -5370,8 +6074,469 @@
         </p:nvSpPr>
         <p:spPr>
           <a:xfrm>
-            <a:off x="1218883" y="274637"/>
+            <a:off x="798990" y="265759"/>
             <a:ext cx="10360501" cy="1223963"/>
+          </a:xfrm>
+          <a:prstGeom prst="rect">
+            <a:avLst/>
+          </a:prstGeom>
+        </p:spPr>
+        <p:txBody>
+          <a:bodyPr vert="horz" lIns="91440" tIns="45720" rIns="91440" bIns="45720" rtlCol="0" anchor="b">
+            <a:normAutofit/>
+          </a:bodyPr>
+          <a:lstStyle>
+            <a:lvl1pPr algn="ctr" defTabSz="914400" rtl="0" eaLnBrk="1" latinLnBrk="0" hangingPunct="1">
+              <a:lnSpc>
+                <a:spcPct val="90000"/>
+              </a:lnSpc>
+              <a:spcBef>
+                <a:spcPct val="0"/>
+              </a:spcBef>
+              <a:buNone/>
+              <a:defRPr sz="6000" kern="1200">
+                <a:solidFill>
+                  <a:schemeClr val="tx1"/>
+                </a:solidFill>
+                <a:latin typeface="+mj-lt"/>
+                <a:ea typeface="+mj-ea"/>
+                <a:cs typeface="+mj-cs"/>
+              </a:defRPr>
+            </a:lvl1pPr>
+          </a:lstStyle>
+          <a:p>
+            <a:pPr algn="l"/>
+            <a:r>
+              <a:rPr lang="en-US" dirty="0">
+                <a:latin typeface="Arial Nova Light" panose="020B0604020202020204" pitchFamily="34" charset="0"/>
+              </a:rPr>
+              <a:t>References</a:t>
+            </a:r>
+          </a:p>
+        </p:txBody>
+      </p:sp>
+      <p:sp>
+        <p:nvSpPr>
+          <p:cNvPr id="6" name="Content Placeholder 13">
+            <a:extLst>
+              <a:ext uri="{FF2B5EF4-FFF2-40B4-BE49-F238E27FC236}">
+                <a16:creationId xmlns:a16="http://schemas.microsoft.com/office/drawing/2014/main" id="{20F139FE-EB64-4C94-B0AD-5DF8896BC5E7}"/>
+              </a:ext>
+            </a:extLst>
+          </p:cNvPr>
+          <p:cNvSpPr txBox="1">
+            <a:spLocks/>
+          </p:cNvSpPr>
+          <p:nvPr/>
+        </p:nvSpPr>
+        <p:spPr>
+          <a:xfrm>
+            <a:off x="798990" y="1722269"/>
+            <a:ext cx="10780393" cy="3959440"/>
+          </a:xfrm>
+          <a:prstGeom prst="rect">
+            <a:avLst/>
+          </a:prstGeom>
+        </p:spPr>
+        <p:txBody>
+          <a:bodyPr vert="horz" lIns="91440" tIns="45720" rIns="91440" bIns="45720" rtlCol="0" anchor="t">
+            <a:normAutofit/>
+          </a:bodyPr>
+          <a:lstStyle>
+            <a:lvl1pPr marL="0" indent="0" algn="ctr" defTabSz="914400" rtl="0" eaLnBrk="1" latinLnBrk="0" hangingPunct="1">
+              <a:lnSpc>
+                <a:spcPct val="90000"/>
+              </a:lnSpc>
+              <a:spcBef>
+                <a:spcPts val="1000"/>
+              </a:spcBef>
+              <a:buFont typeface="Arial" panose="020B0604020202020204" pitchFamily="34" charset="0"/>
+              <a:buNone/>
+              <a:defRPr sz="2400" kern="1200">
+                <a:solidFill>
+                  <a:schemeClr val="tx1"/>
+                </a:solidFill>
+                <a:latin typeface="+mn-lt"/>
+                <a:ea typeface="+mn-ea"/>
+                <a:cs typeface="+mn-cs"/>
+              </a:defRPr>
+            </a:lvl1pPr>
+            <a:lvl2pPr marL="457200" indent="0" algn="ctr" defTabSz="914400" rtl="0" eaLnBrk="1" latinLnBrk="0" hangingPunct="1">
+              <a:lnSpc>
+                <a:spcPct val="90000"/>
+              </a:lnSpc>
+              <a:spcBef>
+                <a:spcPts val="500"/>
+              </a:spcBef>
+              <a:buFont typeface="Arial" panose="020B0604020202020204" pitchFamily="34" charset="0"/>
+              <a:buNone/>
+              <a:defRPr sz="2000" kern="1200">
+                <a:solidFill>
+                  <a:schemeClr val="tx1"/>
+                </a:solidFill>
+                <a:latin typeface="+mn-lt"/>
+                <a:ea typeface="+mn-ea"/>
+                <a:cs typeface="+mn-cs"/>
+              </a:defRPr>
+            </a:lvl2pPr>
+            <a:lvl3pPr marL="914400" indent="0" algn="ctr" defTabSz="914400" rtl="0" eaLnBrk="1" latinLnBrk="0" hangingPunct="1">
+              <a:lnSpc>
+                <a:spcPct val="90000"/>
+              </a:lnSpc>
+              <a:spcBef>
+                <a:spcPts val="500"/>
+              </a:spcBef>
+              <a:buFont typeface="Arial" panose="020B0604020202020204" pitchFamily="34" charset="0"/>
+              <a:buNone/>
+              <a:defRPr sz="1800" kern="1200">
+                <a:solidFill>
+                  <a:schemeClr val="tx1"/>
+                </a:solidFill>
+                <a:latin typeface="+mn-lt"/>
+                <a:ea typeface="+mn-ea"/>
+                <a:cs typeface="+mn-cs"/>
+              </a:defRPr>
+            </a:lvl3pPr>
+            <a:lvl4pPr marL="1371600" indent="0" algn="ctr" defTabSz="914400" rtl="0" eaLnBrk="1" latinLnBrk="0" hangingPunct="1">
+              <a:lnSpc>
+                <a:spcPct val="90000"/>
+              </a:lnSpc>
+              <a:spcBef>
+                <a:spcPts val="500"/>
+              </a:spcBef>
+              <a:buFont typeface="Arial" panose="020B0604020202020204" pitchFamily="34" charset="0"/>
+              <a:buNone/>
+              <a:defRPr sz="1600" kern="1200">
+                <a:solidFill>
+                  <a:schemeClr val="tx1"/>
+                </a:solidFill>
+                <a:latin typeface="+mn-lt"/>
+                <a:ea typeface="+mn-ea"/>
+                <a:cs typeface="+mn-cs"/>
+              </a:defRPr>
+            </a:lvl4pPr>
+            <a:lvl5pPr marL="1828800" indent="0" algn="ctr" defTabSz="914400" rtl="0" eaLnBrk="1" latinLnBrk="0" hangingPunct="1">
+              <a:lnSpc>
+                <a:spcPct val="90000"/>
+              </a:lnSpc>
+              <a:spcBef>
+                <a:spcPts val="500"/>
+              </a:spcBef>
+              <a:buFont typeface="Arial" panose="020B0604020202020204" pitchFamily="34" charset="0"/>
+              <a:buNone/>
+              <a:defRPr sz="1600" kern="1200">
+                <a:solidFill>
+                  <a:schemeClr val="tx1"/>
+                </a:solidFill>
+                <a:latin typeface="+mn-lt"/>
+                <a:ea typeface="+mn-ea"/>
+                <a:cs typeface="+mn-cs"/>
+              </a:defRPr>
+            </a:lvl5pPr>
+            <a:lvl6pPr marL="2286000" indent="0" algn="ctr" defTabSz="914400" rtl="0" eaLnBrk="1" latinLnBrk="0" hangingPunct="1">
+              <a:lnSpc>
+                <a:spcPct val="90000"/>
+              </a:lnSpc>
+              <a:spcBef>
+                <a:spcPts val="500"/>
+              </a:spcBef>
+              <a:buFont typeface="Arial" panose="020B0604020202020204" pitchFamily="34" charset="0"/>
+              <a:buNone/>
+              <a:defRPr sz="1600" kern="1200">
+                <a:solidFill>
+                  <a:schemeClr val="tx1"/>
+                </a:solidFill>
+                <a:latin typeface="+mn-lt"/>
+                <a:ea typeface="+mn-ea"/>
+                <a:cs typeface="+mn-cs"/>
+              </a:defRPr>
+            </a:lvl6pPr>
+            <a:lvl7pPr marL="2743200" indent="0" algn="ctr" defTabSz="914400" rtl="0" eaLnBrk="1" latinLnBrk="0" hangingPunct="1">
+              <a:lnSpc>
+                <a:spcPct val="90000"/>
+              </a:lnSpc>
+              <a:spcBef>
+                <a:spcPts val="500"/>
+              </a:spcBef>
+              <a:buFont typeface="Arial" panose="020B0604020202020204" pitchFamily="34" charset="0"/>
+              <a:buNone/>
+              <a:defRPr sz="1600" kern="1200">
+                <a:solidFill>
+                  <a:schemeClr val="tx1"/>
+                </a:solidFill>
+                <a:latin typeface="+mn-lt"/>
+                <a:ea typeface="+mn-ea"/>
+                <a:cs typeface="+mn-cs"/>
+              </a:defRPr>
+            </a:lvl7pPr>
+            <a:lvl8pPr marL="3200400" indent="0" algn="ctr" defTabSz="914400" rtl="0" eaLnBrk="1" latinLnBrk="0" hangingPunct="1">
+              <a:lnSpc>
+                <a:spcPct val="90000"/>
+              </a:lnSpc>
+              <a:spcBef>
+                <a:spcPts val="500"/>
+              </a:spcBef>
+              <a:buFont typeface="Arial" panose="020B0604020202020204" pitchFamily="34" charset="0"/>
+              <a:buNone/>
+              <a:defRPr sz="1600" kern="1200">
+                <a:solidFill>
+                  <a:schemeClr val="tx1"/>
+                </a:solidFill>
+                <a:latin typeface="+mn-lt"/>
+                <a:ea typeface="+mn-ea"/>
+                <a:cs typeface="+mn-cs"/>
+              </a:defRPr>
+            </a:lvl8pPr>
+            <a:lvl9pPr marL="3657600" indent="0" algn="ctr" defTabSz="914400" rtl="0" eaLnBrk="1" latinLnBrk="0" hangingPunct="1">
+              <a:lnSpc>
+                <a:spcPct val="90000"/>
+              </a:lnSpc>
+              <a:spcBef>
+                <a:spcPts val="500"/>
+              </a:spcBef>
+              <a:buFont typeface="Arial" panose="020B0604020202020204" pitchFamily="34" charset="0"/>
+              <a:buNone/>
+              <a:defRPr sz="1600" kern="1200">
+                <a:solidFill>
+                  <a:schemeClr val="tx1"/>
+                </a:solidFill>
+                <a:latin typeface="+mn-lt"/>
+                <a:ea typeface="+mn-ea"/>
+                <a:cs typeface="+mn-cs"/>
+              </a:defRPr>
+            </a:lvl9pPr>
+          </a:lstStyle>
+          <a:p>
+            <a:pPr algn="l" fontAlgn="ctr">
+              <a:lnSpc>
+                <a:spcPct val="130000"/>
+              </a:lnSpc>
+            </a:pPr>
+            <a:r>
+              <a:rPr lang="en-US" sz="1400" b="1" dirty="0">
+                <a:latin typeface="Arial Nova Light" panose="020B0304020202020204" pitchFamily="34" charset="0"/>
+              </a:rPr>
+              <a:t>Git Image - </a:t>
+            </a:r>
+            <a:r>
+              <a:rPr lang="en-US" sz="1400" b="1" dirty="0">
+                <a:latin typeface="Arial Nova Light" panose="020B0304020202020204" pitchFamily="34" charset="0"/>
+                <a:hlinkClick r:id="rId2"/>
+              </a:rPr>
+              <a:t>https://git-scm.com/downloads/logos</a:t>
+            </a:r>
+            <a:endParaRPr lang="en-US" sz="1400" b="1" dirty="0">
+              <a:latin typeface="Arial Nova Light" panose="020B0304020202020204" pitchFamily="34" charset="0"/>
+            </a:endParaRPr>
+          </a:p>
+          <a:p>
+            <a:pPr algn="l" fontAlgn="ctr">
+              <a:lnSpc>
+                <a:spcPct val="130000"/>
+              </a:lnSpc>
+            </a:pPr>
+            <a:r>
+              <a:rPr lang="en-US" sz="1400" b="1" dirty="0">
+                <a:latin typeface="Arial Nova Light" panose="020B0304020202020204" pitchFamily="34" charset="0"/>
+                <a:hlinkClick r:id="rId3"/>
+              </a:rPr>
+              <a:t>https://guides.github.com/introduction/git-handbook/</a:t>
+            </a:r>
+            <a:endParaRPr lang="en-US" sz="1400" b="1" dirty="0">
+              <a:latin typeface="Arial Nova Light" panose="020B0304020202020204" pitchFamily="34" charset="0"/>
+            </a:endParaRPr>
+          </a:p>
+          <a:p>
+            <a:pPr algn="l" fontAlgn="ctr">
+              <a:lnSpc>
+                <a:spcPct val="130000"/>
+              </a:lnSpc>
+            </a:pPr>
+            <a:r>
+              <a:rPr lang="en-US" sz="1400" b="1" dirty="0">
+                <a:latin typeface="Arial Nova Light" panose="020B0304020202020204" pitchFamily="34" charset="0"/>
+              </a:rPr>
+              <a:t>Complete git reference: </a:t>
+            </a:r>
+            <a:r>
+              <a:rPr lang="en-US" sz="1400" b="1" dirty="0">
+                <a:latin typeface="Arial Nova Light" panose="020B0304020202020204" pitchFamily="34" charset="0"/>
+                <a:hlinkClick r:id="rId4"/>
+              </a:rPr>
+              <a:t>https://git-scm.com/docs</a:t>
+            </a:r>
+            <a:endParaRPr lang="en-US" sz="1400" b="1" dirty="0">
+              <a:latin typeface="Arial Nova Light" panose="020B0304020202020204" pitchFamily="34" charset="0"/>
+            </a:endParaRPr>
+          </a:p>
+          <a:p>
+            <a:pPr algn="l" fontAlgn="ctr">
+              <a:lnSpc>
+                <a:spcPct val="130000"/>
+              </a:lnSpc>
+            </a:pPr>
+            <a:r>
+              <a:rPr lang="en-US" sz="1400" b="1" dirty="0">
+                <a:latin typeface="Arial Nova Light" panose="020B0304020202020204" pitchFamily="34" charset="0"/>
+              </a:rPr>
+              <a:t>Branching Strategy - </a:t>
+            </a:r>
+            <a:r>
+              <a:rPr lang="en-US" sz="1400" b="1" dirty="0">
+                <a:latin typeface="Arial Nova Light" panose="020B0304020202020204" pitchFamily="34" charset="0"/>
+                <a:hlinkClick r:id="rId5"/>
+              </a:rPr>
+              <a:t>https://docs.microsoft.com/en-us/azure/devops/repos/git/git-branching-guidance?view=azure-devops</a:t>
+            </a:r>
+            <a:endParaRPr lang="en-US" sz="1400" b="1" dirty="0">
+              <a:latin typeface="Arial Nova Light" panose="020B0304020202020204" pitchFamily="34" charset="0"/>
+            </a:endParaRPr>
+          </a:p>
+          <a:p>
+            <a:pPr algn="l">
+              <a:lnSpc>
+                <a:spcPct val="130000"/>
+              </a:lnSpc>
+            </a:pPr>
+            <a:r>
+              <a:rPr lang="en-US" sz="1400" b="1" dirty="0">
+                <a:ea typeface="+mn-lt"/>
+                <a:cs typeface="+mn-lt"/>
+              </a:rPr>
+              <a:t>Git History </a:t>
+            </a:r>
+            <a:r>
+              <a:rPr lang="en-US" sz="1400" dirty="0">
+                <a:ea typeface="+mn-lt"/>
+                <a:cs typeface="+mn-lt"/>
+              </a:rPr>
+              <a:t>- </a:t>
+            </a:r>
+            <a:r>
+              <a:rPr lang="en-US" sz="1400" dirty="0">
+                <a:ea typeface="+mn-lt"/>
+                <a:cs typeface="+mn-lt"/>
+                <a:hlinkClick r:id="rId6"/>
+              </a:rPr>
+              <a:t>https://en.wikipedia.org/wiki/Git</a:t>
+            </a:r>
+            <a:endParaRPr lang="en-US"/>
+          </a:p>
+          <a:p>
+            <a:pPr algn="l">
+              <a:lnSpc>
+                <a:spcPct val="130000"/>
+              </a:lnSpc>
+            </a:pPr>
+            <a:r>
+              <a:rPr lang="en-US" sz="1400" b="1" dirty="0">
+                <a:latin typeface="Calibri"/>
+                <a:cs typeface="Calibri"/>
+              </a:rPr>
+              <a:t>History of VCS</a:t>
+            </a:r>
+            <a:r>
+              <a:rPr lang="en-US" sz="1400" dirty="0">
+                <a:latin typeface="Calibri"/>
+                <a:cs typeface="Calibri"/>
+              </a:rPr>
+              <a:t> - </a:t>
+            </a:r>
+            <a:r>
+              <a:rPr lang="en-US" sz="1400" dirty="0">
+                <a:ea typeface="+mn-lt"/>
+                <a:cs typeface="+mn-lt"/>
+                <a:hlinkClick r:id="rId7"/>
+              </a:rPr>
+              <a:t>https://www.lynda.com/ALMTFS-tutorials/history-version-control/106788/115979-4.html</a:t>
+            </a:r>
+            <a:endParaRPr lang="en-US" sz="1400" dirty="0">
+              <a:latin typeface="Calibri"/>
+              <a:cs typeface="Calibri"/>
+            </a:endParaRPr>
+          </a:p>
+          <a:p>
+            <a:pPr algn="l">
+              <a:lnSpc>
+                <a:spcPct val="130000"/>
+              </a:lnSpc>
+            </a:pPr>
+            <a:endParaRPr lang="en-US" sz="1400" dirty="0">
+              <a:ea typeface="+mn-lt"/>
+              <a:cs typeface="+mn-lt"/>
+            </a:endParaRPr>
+          </a:p>
+          <a:p>
+            <a:pPr algn="l">
+              <a:lnSpc>
+                <a:spcPct val="130000"/>
+              </a:lnSpc>
+            </a:pPr>
+            <a:endParaRPr lang="en-US" sz="1400" dirty="0">
+              <a:latin typeface="Calibri"/>
+              <a:cs typeface="Calibri"/>
+            </a:endParaRPr>
+          </a:p>
+          <a:p>
+            <a:pPr algn="l" fontAlgn="ctr">
+              <a:lnSpc>
+                <a:spcPct val="130000"/>
+              </a:lnSpc>
+            </a:pPr>
+            <a:endParaRPr lang="en-US" sz="1400" b="1" dirty="0">
+              <a:latin typeface="Arial Nova Light" panose="020B0304020202020204" pitchFamily="34" charset="0"/>
+            </a:endParaRPr>
+          </a:p>
+        </p:txBody>
+      </p:sp>
+    </p:spTree>
+    <p:extLst>
+      <p:ext uri="{BB962C8B-B14F-4D97-AF65-F5344CB8AC3E}">
+        <p14:creationId xmlns:p14="http://schemas.microsoft.com/office/powerpoint/2010/main" val="768678882"/>
+      </p:ext>
+    </p:extLst>
+  </p:cSld>
+  <p:clrMapOvr>
+    <a:masterClrMapping/>
+  </p:clrMapOvr>
+</p:sld>
+</file>
+
+<file path=ppt/slides/slide14.xml><?xml version="1.0" encoding="utf-8"?>
+<p:sld xmlns:a="http://schemas.openxmlformats.org/drawingml/2006/main" xmlns:r="http://schemas.openxmlformats.org/officeDocument/2006/relationships" xmlns:p="http://schemas.openxmlformats.org/presentationml/2006/main">
+  <p:cSld>
+    <p:spTree>
+      <p:nvGrpSpPr>
+        <p:cNvPr id="1" name=""/>
+        <p:cNvGrpSpPr/>
+        <p:nvPr/>
+      </p:nvGrpSpPr>
+      <p:grpSpPr>
+        <a:xfrm>
+          <a:off x="0" y="0"/>
+          <a:ext cx="0" cy="0"/>
+          <a:chOff x="0" y="0"/>
+          <a:chExt cx="0" cy="0"/>
+        </a:xfrm>
+      </p:grpSpPr>
+      <p:sp>
+        <p:nvSpPr>
+          <p:cNvPr id="8" name="Title 12">
+            <a:extLst>
+              <a:ext uri="{FF2B5EF4-FFF2-40B4-BE49-F238E27FC236}">
+                <a16:creationId xmlns:a16="http://schemas.microsoft.com/office/drawing/2014/main" id="{608A8A71-2F06-47B0-A96B-2F1190096DE7}"/>
+              </a:ext>
+            </a:extLst>
+          </p:cNvPr>
+          <p:cNvSpPr txBox="1">
+            <a:spLocks/>
+          </p:cNvSpPr>
+          <p:nvPr/>
+        </p:nvSpPr>
+        <p:spPr>
+          <a:xfrm>
+            <a:off x="5100769" y="2819429"/>
+            <a:ext cx="3143068" cy="1223963"/>
           </a:xfrm>
           <a:prstGeom prst="rect">
             <a:avLst/>
@@ -6281,16 +7446,16 @@
         </p:nvSpPr>
         <p:spPr>
           <a:xfrm>
-            <a:off x="5996549" y="1701797"/>
-            <a:ext cx="5810752" cy="2550607"/>
+            <a:off x="5996549" y="1716174"/>
+            <a:ext cx="5810752" cy="2795022"/>
           </a:xfrm>
           <a:prstGeom prst="rect">
             <a:avLst/>
           </a:prstGeom>
         </p:spPr>
         <p:txBody>
-          <a:bodyPr vert="horz" lIns="91440" tIns="45720" rIns="91440" bIns="45720" rtlCol="0">
-            <a:normAutofit fontScale="92500"/>
+          <a:bodyPr vert="horz" lIns="91440" tIns="45720" rIns="91440" bIns="45720" rtlCol="0" anchor="t">
+            <a:normAutofit lnSpcReduction="10000"/>
           </a:bodyPr>
           <a:lstStyle>
             <a:defPPr>
@@ -6471,7 +7636,7 @@
         </p:nvSpPr>
         <p:spPr>
           <a:xfrm>
-            <a:off x="798991" y="292392"/>
+            <a:off x="1218883" y="274637"/>
             <a:ext cx="10360501" cy="1223963"/>
           </a:xfrm>
           <a:prstGeom prst="rect">
@@ -6505,10 +7670,13 @@
             <a:pPr algn="l"/>
             <a:r>
               <a:rPr lang="en-US" dirty="0">
-                <a:latin typeface="Arial Nova Light" panose="020B0604020202020204" pitchFamily="34" charset="0"/>
-              </a:rPr>
-              <a:t>GitHub</a:t>
-            </a:r>
+                <a:latin typeface="Arial Nova Light"/>
+              </a:rPr>
+              <a:t>History of VCS &amp; Git</a:t>
+            </a:r>
+            <a:endParaRPr lang="en-US" dirty="0">
+              <a:latin typeface="Arial Nova Light" panose="020B0604020202020204" pitchFamily="34" charset="0"/>
+            </a:endParaRPr>
           </a:p>
         </p:txBody>
       </p:sp>
@@ -6528,16 +7696,16 @@
         </p:nvSpPr>
         <p:spPr>
           <a:xfrm>
-            <a:off x="798991" y="1701797"/>
-            <a:ext cx="4962618" cy="2719283"/>
+            <a:off x="1218883" y="1716174"/>
+            <a:ext cx="9776082" cy="4661398"/>
           </a:xfrm>
           <a:prstGeom prst="rect">
             <a:avLst/>
           </a:prstGeom>
         </p:spPr>
         <p:txBody>
-          <a:bodyPr vert="horz" lIns="91440" tIns="45720" rIns="91440" bIns="45720" rtlCol="0">
-            <a:normAutofit fontScale="92500" lnSpcReduction="20000"/>
+          <a:bodyPr vert="horz" lIns="91440" tIns="45720" rIns="91440" bIns="45720" rtlCol="0" anchor="t">
+            <a:normAutofit lnSpcReduction="10000"/>
           </a:bodyPr>
           <a:lstStyle>
             <a:lvl1pPr marL="0" indent="0" algn="ctr" defTabSz="914400" rtl="0" eaLnBrk="1" latinLnBrk="0" hangingPunct="1">
@@ -6704,197 +7872,362 @@
             </a:lvl9pPr>
           </a:lstStyle>
           <a:p>
-            <a:pPr algn="l" fontAlgn="ctr">
-              <a:lnSpc>
-                <a:spcPct val="130000"/>
-              </a:lnSpc>
-            </a:pPr>
-            <a:r>
-              <a:rPr lang="en-US" sz="2200" b="1" dirty="0">
-                <a:latin typeface="Arial Nova Light" panose="020B0304020202020204" pitchFamily="34" charset="0"/>
-              </a:rPr>
-              <a:t>How GitHub fits in</a:t>
-            </a:r>
-          </a:p>
-          <a:p>
-            <a:pPr algn="l" fontAlgn="ctr">
-              <a:lnSpc>
-                <a:spcPct val="130000"/>
-              </a:lnSpc>
-            </a:pPr>
-            <a:r>
-              <a:rPr lang="en-US" sz="1600" dirty="0">
-                <a:latin typeface="Arial Nova Light" panose="020B0304020202020204" pitchFamily="34" charset="0"/>
-              </a:rPr>
-              <a:t>GitHub is a Git hosting repository that provides developers with tools to ship better code through command line features, issues (threaded discussions), pull requests, code review, or the use of a collection of free and for-purchase apps in the GitHub Marketplace. With collaboration layers like the GitHub flow, a community of 15 million developers, and an ecosystem with hundreds of integrations, GitHub changes the way software is built.</a:t>
-            </a:r>
-          </a:p>
-        </p:txBody>
-      </p:sp>
-      <p:sp>
-        <p:nvSpPr>
-          <p:cNvPr id="4" name="Content Placeholder 13">
-            <a:extLst>
-              <a:ext uri="{FF2B5EF4-FFF2-40B4-BE49-F238E27FC236}">
-                <a16:creationId xmlns:a16="http://schemas.microsoft.com/office/drawing/2014/main" id="{633E47F3-DCAC-441D-A021-628064A68797}"/>
-              </a:ext>
-            </a:extLst>
-          </p:cNvPr>
-          <p:cNvSpPr txBox="1">
-            <a:spLocks/>
-          </p:cNvSpPr>
-          <p:nvPr/>
-        </p:nvSpPr>
-        <p:spPr>
-          <a:xfrm>
-            <a:off x="5996549" y="1701797"/>
-            <a:ext cx="5810752" cy="3047756"/>
-          </a:xfrm>
-          <a:prstGeom prst="rect">
-            <a:avLst/>
-          </a:prstGeom>
-        </p:spPr>
-        <p:txBody>
-          <a:bodyPr vert="horz" lIns="91440" tIns="45720" rIns="91440" bIns="45720" rtlCol="0">
-            <a:normAutofit/>
-          </a:bodyPr>
-          <a:lstStyle>
-            <a:defPPr>
-              <a:defRPr lang="en-US"/>
-            </a:defPPr>
-            <a:lvl1pPr indent="0" fontAlgn="ctr">
-              <a:lnSpc>
-                <a:spcPct val="90000"/>
-              </a:lnSpc>
-              <a:spcBef>
-                <a:spcPts val="1000"/>
-              </a:spcBef>
-              <a:buFont typeface="Arial" panose="020B0604020202020204" pitchFamily="34" charset="0"/>
-              <a:buNone/>
-              <a:defRPr sz="2400" b="1"/>
-            </a:lvl1pPr>
-            <a:lvl2pPr marL="377886" lvl="1" indent="0" algn="ctr">
-              <a:lnSpc>
-                <a:spcPct val="90000"/>
-              </a:lnSpc>
-              <a:spcBef>
-                <a:spcPts val="500"/>
-              </a:spcBef>
-              <a:buFont typeface="Arial" panose="020B0604020202020204" pitchFamily="34" charset="0"/>
-              <a:buNone/>
-              <a:defRPr sz="1000">
-                <a:latin typeface="Arial Nova Light" panose="020B0604020202020204" pitchFamily="34" charset="0"/>
-              </a:defRPr>
-            </a:lvl2pPr>
-            <a:lvl3pPr indent="0" algn="ctr">
-              <a:lnSpc>
-                <a:spcPct val="90000"/>
-              </a:lnSpc>
-              <a:spcBef>
-                <a:spcPts val="500"/>
-              </a:spcBef>
-              <a:buFont typeface="Arial" panose="020B0604020202020204" pitchFamily="34" charset="0"/>
-              <a:buNone/>
-            </a:lvl3pPr>
-            <a:lvl4pPr indent="0" algn="ctr">
-              <a:lnSpc>
-                <a:spcPct val="90000"/>
-              </a:lnSpc>
-              <a:spcBef>
-                <a:spcPts val="500"/>
-              </a:spcBef>
-              <a:buFont typeface="Arial" panose="020B0604020202020204" pitchFamily="34" charset="0"/>
-              <a:buNone/>
-              <a:defRPr sz="1600"/>
-            </a:lvl4pPr>
-            <a:lvl5pPr indent="0" algn="ctr">
-              <a:lnSpc>
-                <a:spcPct val="90000"/>
-              </a:lnSpc>
-              <a:spcBef>
-                <a:spcPts val="500"/>
-              </a:spcBef>
-              <a:buFont typeface="Arial" panose="020B0604020202020204" pitchFamily="34" charset="0"/>
-              <a:buNone/>
-              <a:defRPr sz="1600"/>
-            </a:lvl5pPr>
-            <a:lvl6pPr indent="0" algn="ctr">
-              <a:lnSpc>
-                <a:spcPct val="90000"/>
-              </a:lnSpc>
-              <a:spcBef>
-                <a:spcPts val="500"/>
-              </a:spcBef>
-              <a:buFont typeface="Arial" panose="020B0604020202020204" pitchFamily="34" charset="0"/>
-              <a:buNone/>
-              <a:defRPr sz="1600"/>
-            </a:lvl6pPr>
-            <a:lvl7pPr indent="0" algn="ctr">
-              <a:lnSpc>
-                <a:spcPct val="90000"/>
-              </a:lnSpc>
-              <a:spcBef>
-                <a:spcPts val="500"/>
-              </a:spcBef>
-              <a:buFont typeface="Arial" panose="020B0604020202020204" pitchFamily="34" charset="0"/>
-              <a:buNone/>
-              <a:defRPr sz="1600"/>
-            </a:lvl7pPr>
-            <a:lvl8pPr indent="0" algn="ctr">
-              <a:lnSpc>
-                <a:spcPct val="90000"/>
-              </a:lnSpc>
-              <a:spcBef>
-                <a:spcPts val="500"/>
-              </a:spcBef>
-              <a:buFont typeface="Arial" panose="020B0604020202020204" pitchFamily="34" charset="0"/>
-              <a:buNone/>
-              <a:defRPr sz="1600"/>
-            </a:lvl8pPr>
-            <a:lvl9pPr indent="0" algn="ctr">
-              <a:lnSpc>
-                <a:spcPct val="90000"/>
-              </a:lnSpc>
-              <a:spcBef>
-                <a:spcPts val="500"/>
-              </a:spcBef>
-              <a:buFont typeface="Arial" panose="020B0604020202020204" pitchFamily="34" charset="0"/>
-              <a:buNone/>
-              <a:defRPr sz="1600"/>
-            </a:lvl9pPr>
-          </a:lstStyle>
-          <a:p>
-            <a:pPr>
-              <a:lnSpc>
-                <a:spcPct val="130000"/>
-              </a:lnSpc>
-            </a:pPr>
-            <a:r>
-              <a:rPr lang="en-US" sz="2000" dirty="0">
-                <a:latin typeface="Arial Nova Light" panose="020B0304020202020204" pitchFamily="34" charset="0"/>
-              </a:rPr>
-              <a:t>How it works</a:t>
-            </a:r>
-          </a:p>
-          <a:p>
-            <a:pPr>
-              <a:lnSpc>
-                <a:spcPct val="130000"/>
-              </a:lnSpc>
-            </a:pPr>
-            <a:r>
-              <a:rPr lang="en-US" sz="1500" b="0" dirty="0">
-                <a:latin typeface="Arial Nova Light" panose="020B0304020202020204" pitchFamily="34" charset="0"/>
-              </a:rPr>
-              <a:t>GitHub builds collaboration directly into the development process. Work is organized into repositories, where developers can outline requirements or direction and set expectations for team members. Then, using the GitHub flow, developers simply create a branch to work on updates, commit changes to save them, open a pull request to propose and discuss changes, and merge pull requests once everyone is on the same page.</a:t>
-            </a:r>
+            <a:pPr algn="l"/>
+            <a:r>
+              <a:rPr lang="en-US" sz="1600" b="1" dirty="0">
+                <a:latin typeface="Arial Nova Light"/>
+              </a:rPr>
+              <a:t>1972 </a:t>
+            </a:r>
+            <a:r>
+              <a:rPr lang="en-US" sz="1400" b="1" dirty="0">
+                <a:latin typeface="Arial Nova Light"/>
+              </a:rPr>
+              <a:t>SCCS </a:t>
+            </a:r>
+            <a:r>
+              <a:rPr lang="en-US" sz="1400" dirty="0">
+                <a:latin typeface="Arial Nova Light"/>
+              </a:rPr>
+              <a:t>(Source Code Control System)</a:t>
+            </a:r>
+            <a:r>
+              <a:rPr lang="en-US" sz="1400" b="1" dirty="0">
+                <a:ea typeface="+mn-lt"/>
+                <a:cs typeface="+mn-lt"/>
+              </a:rPr>
+              <a:t> </a:t>
+            </a:r>
+            <a:r>
+              <a:rPr lang="en-US" sz="1400" dirty="0">
+                <a:ea typeface="+mn-lt"/>
+                <a:cs typeface="+mn-lt"/>
+              </a:rPr>
+              <a:t>– </a:t>
+            </a:r>
+            <a:r>
+              <a:rPr lang="en-US" sz="1400" dirty="0">
+                <a:latin typeface="Arial Nova Light"/>
+              </a:rPr>
+              <a:t>Unix Only, Worked on Development Environment Only</a:t>
+            </a:r>
+            <a:endParaRPr lang="en-US" dirty="0"/>
+          </a:p>
+          <a:p>
+            <a:pPr algn="l"/>
+            <a:endParaRPr lang="en-US" sz="1400" dirty="0">
+              <a:latin typeface="Arial Nova Light"/>
+            </a:endParaRPr>
+          </a:p>
+          <a:p>
+            <a:pPr algn="l"/>
+            <a:r>
+              <a:rPr lang="en-US" sz="1600" b="1" dirty="0">
+                <a:latin typeface="Arial Nova Light"/>
+              </a:rPr>
+              <a:t>1982</a:t>
+            </a:r>
+            <a:r>
+              <a:rPr lang="en-US" sz="1400" dirty="0">
+                <a:latin typeface="Arial Nova Light"/>
+              </a:rPr>
+              <a:t> </a:t>
+            </a:r>
+            <a:r>
+              <a:rPr lang="en-US" sz="1400" b="1" dirty="0">
+                <a:latin typeface="Arial Nova Light"/>
+              </a:rPr>
+              <a:t>RCS </a:t>
+            </a:r>
+            <a:r>
+              <a:rPr lang="en-US" sz="1400" dirty="0">
+                <a:latin typeface="Arial Nova Light"/>
+              </a:rPr>
+              <a:t>(Revision Control System) </a:t>
+            </a:r>
+            <a:r>
+              <a:rPr lang="en-US" sz="1400" b="1" dirty="0">
+                <a:ea typeface="+mn-lt"/>
+                <a:cs typeface="+mn-lt"/>
+              </a:rPr>
+              <a:t> </a:t>
+            </a:r>
+            <a:r>
+              <a:rPr lang="en-US" sz="1400" dirty="0">
+                <a:ea typeface="+mn-lt"/>
+                <a:cs typeface="+mn-lt"/>
+              </a:rPr>
+              <a:t>– </a:t>
+            </a:r>
+            <a:r>
+              <a:rPr lang="en-US" sz="1400" dirty="0">
+                <a:latin typeface="Arial Nova Light"/>
+              </a:rPr>
+              <a:t>Cross platform, Text Only, Development Environment Only</a:t>
+            </a:r>
+          </a:p>
+          <a:p>
+            <a:pPr algn="l"/>
+            <a:endParaRPr lang="en-US" sz="1400" dirty="0">
+              <a:latin typeface="Arial Nova Light"/>
+            </a:endParaRPr>
+          </a:p>
+          <a:p>
+            <a:pPr algn="l"/>
+            <a:r>
+              <a:rPr lang="en-US" sz="1600" b="1" dirty="0">
+                <a:latin typeface="Arial Nova Light"/>
+              </a:rPr>
+              <a:t>1986</a:t>
+            </a:r>
+            <a:r>
+              <a:rPr lang="en-US" sz="1400" dirty="0">
+                <a:latin typeface="Arial Nova Light"/>
+              </a:rPr>
+              <a:t> </a:t>
+            </a:r>
+            <a:r>
+              <a:rPr lang="en-US" sz="1400" b="1" dirty="0">
+                <a:latin typeface="Arial Nova Light"/>
+              </a:rPr>
+              <a:t>CVS </a:t>
+            </a:r>
+            <a:r>
+              <a:rPr lang="en-US" sz="1400" dirty="0">
+                <a:latin typeface="Arial Nova Light"/>
+              </a:rPr>
+              <a:t>(Centralized Version System)</a:t>
+            </a:r>
+            <a:r>
+              <a:rPr lang="en-US" sz="1400" b="1" dirty="0">
+                <a:ea typeface="+mn-lt"/>
+                <a:cs typeface="+mn-lt"/>
+              </a:rPr>
+              <a:t> </a:t>
+            </a:r>
+            <a:r>
+              <a:rPr lang="en-US" sz="1400" dirty="0">
+                <a:ea typeface="+mn-lt"/>
+                <a:cs typeface="+mn-lt"/>
+              </a:rPr>
+              <a:t>– </a:t>
+            </a:r>
+            <a:r>
+              <a:rPr lang="en-US" sz="1400" dirty="0">
+                <a:latin typeface="Arial Nova Light"/>
+              </a:rPr>
+              <a:t> File focused</a:t>
+            </a:r>
+          </a:p>
+          <a:p>
+            <a:pPr algn="l"/>
+            <a:endParaRPr lang="en-US" sz="1400" dirty="0">
+              <a:latin typeface="Arial Nova Light"/>
+            </a:endParaRPr>
+          </a:p>
+          <a:p>
+            <a:pPr algn="l"/>
+            <a:r>
+              <a:rPr lang="en-US" sz="1600" b="1" dirty="0">
+                <a:latin typeface="Arial Nova Light"/>
+              </a:rPr>
+              <a:t>1995</a:t>
+            </a:r>
+            <a:r>
+              <a:rPr lang="en-US" sz="1400" dirty="0">
+                <a:latin typeface="Arial Nova Light"/>
+              </a:rPr>
+              <a:t> </a:t>
+            </a:r>
+            <a:r>
+              <a:rPr lang="en-US" sz="1400" b="1" dirty="0">
+                <a:latin typeface="Arial Nova Light"/>
+              </a:rPr>
+              <a:t>Perforce </a:t>
+            </a:r>
+            <a:r>
+              <a:rPr lang="en-US" sz="1400" dirty="0">
+                <a:latin typeface="Arial Nova Light"/>
+              </a:rPr>
+              <a:t>– Still the biggest repository inside Google</a:t>
+            </a:r>
+          </a:p>
+          <a:p>
+            <a:pPr algn="l"/>
+            <a:endParaRPr lang="en-US" sz="1400" dirty="0">
+              <a:latin typeface="Arial Nova Light"/>
+            </a:endParaRPr>
+          </a:p>
+          <a:p>
+            <a:pPr algn="l"/>
+            <a:r>
+              <a:rPr lang="en-US" sz="1600" b="1" dirty="0">
+                <a:latin typeface="Arial Nova Light"/>
+              </a:rPr>
+              <a:t>2000</a:t>
+            </a:r>
+            <a:r>
+              <a:rPr lang="en-US" sz="1400" dirty="0">
+                <a:latin typeface="Arial Nova Light"/>
+              </a:rPr>
+              <a:t> </a:t>
+            </a:r>
+            <a:r>
+              <a:rPr lang="en-US" sz="1400" b="1" dirty="0">
+                <a:latin typeface="Arial Nova Light"/>
+              </a:rPr>
+              <a:t>SVN </a:t>
+            </a:r>
+            <a:r>
+              <a:rPr lang="en-US" sz="1400" dirty="0">
+                <a:latin typeface="Arial Nova Light"/>
+              </a:rPr>
+              <a:t>(SubVersion)</a:t>
+            </a:r>
+            <a:r>
+              <a:rPr lang="en-US" sz="1400" b="1" dirty="0">
+                <a:ea typeface="+mn-lt"/>
+                <a:cs typeface="+mn-lt"/>
+              </a:rPr>
+              <a:t> </a:t>
+            </a:r>
+            <a:r>
+              <a:rPr lang="en-US" sz="1400" dirty="0">
+                <a:ea typeface="+mn-lt"/>
+                <a:cs typeface="+mn-lt"/>
+              </a:rPr>
+              <a:t>– </a:t>
+            </a:r>
+            <a:r>
+              <a:rPr lang="en-US" sz="1400" dirty="0">
+                <a:latin typeface="Arial Nova Light"/>
+              </a:rPr>
+              <a:t>Non-Text files, Track directory structure, transaction unit = directory</a:t>
+            </a:r>
+          </a:p>
+          <a:p>
+            <a:pPr algn="l"/>
+            <a:endParaRPr lang="en-US" sz="1400" dirty="0">
+              <a:latin typeface="Arial Nova Light"/>
+            </a:endParaRPr>
+          </a:p>
+          <a:p>
+            <a:pPr algn="l"/>
+            <a:r>
+              <a:rPr lang="en-US" sz="1600" b="1" dirty="0">
+                <a:latin typeface="Arial Nova Light"/>
+              </a:rPr>
+              <a:t>2004</a:t>
+            </a:r>
+            <a:r>
+              <a:rPr lang="en-US" sz="1400" dirty="0">
+                <a:latin typeface="Arial Nova Light"/>
+              </a:rPr>
+              <a:t> </a:t>
+            </a:r>
+            <a:r>
+              <a:rPr lang="en-US" sz="1400" b="1" dirty="0">
+                <a:latin typeface="Arial Nova Light"/>
+              </a:rPr>
+              <a:t>TFS </a:t>
+            </a:r>
+            <a:r>
+              <a:rPr lang="en-US" sz="1400" dirty="0">
+                <a:latin typeface="Arial Nova Light"/>
+              </a:rPr>
+              <a:t>(Microsoft Team Foundation Server)</a:t>
+            </a:r>
+            <a:r>
+              <a:rPr lang="en-US" sz="1400" b="1" dirty="0">
+                <a:ea typeface="+mn-lt"/>
+                <a:cs typeface="+mn-lt"/>
+              </a:rPr>
+              <a:t> </a:t>
+            </a:r>
+            <a:r>
+              <a:rPr lang="en-US" sz="1400" dirty="0">
+                <a:ea typeface="+mn-lt"/>
+                <a:cs typeface="+mn-lt"/>
+              </a:rPr>
+              <a:t>– </a:t>
+            </a:r>
+            <a:r>
+              <a:rPr lang="en-US" sz="1400" dirty="0">
+                <a:latin typeface="Arial Nova Light"/>
+              </a:rPr>
+              <a:t> Came to replace VSS, Tight Visual Studio Integration, 2010 Came with MSDN (Costly)</a:t>
+            </a:r>
+          </a:p>
+          <a:p>
+            <a:pPr algn="l"/>
+            <a:endParaRPr lang="en-US" sz="1400" dirty="0">
+              <a:latin typeface="Arial Nova Light"/>
+            </a:endParaRPr>
+          </a:p>
+          <a:p>
+            <a:pPr algn="l"/>
+            <a:r>
+              <a:rPr lang="en-US" sz="1600" b="1" dirty="0">
+                <a:latin typeface="Arial Nova Light"/>
+              </a:rPr>
+              <a:t>2005</a:t>
+            </a:r>
+            <a:r>
+              <a:rPr lang="en-US" sz="1400" dirty="0">
+                <a:latin typeface="Arial Nova Light"/>
+              </a:rPr>
+              <a:t> </a:t>
+            </a:r>
+            <a:r>
+              <a:rPr lang="en-US" sz="1400" b="1" dirty="0">
+                <a:latin typeface="Arial Nova Light"/>
+              </a:rPr>
+              <a:t>DVCS </a:t>
+            </a:r>
+            <a:r>
+              <a:rPr lang="en-US" sz="1400" dirty="0">
+                <a:latin typeface="Arial Nova Light"/>
+              </a:rPr>
+              <a:t>(Distributed Version Control System) </a:t>
+            </a:r>
+            <a:r>
+              <a:rPr lang="en-US" sz="1400" b="1" dirty="0">
+                <a:latin typeface="Arial Nova Light"/>
+              </a:rPr>
+              <a:t>Git &amp; </a:t>
+            </a:r>
+            <a:r>
+              <a:rPr lang="en-US" sz="1400" b="1" dirty="0">
+                <a:ea typeface="+mn-lt"/>
+                <a:cs typeface="+mn-lt"/>
+              </a:rPr>
+              <a:t>Mercurial</a:t>
+            </a:r>
+            <a:r>
+              <a:rPr lang="en-US" sz="1400" b="1" dirty="0">
+                <a:latin typeface="Arial Nova Light"/>
+              </a:rPr>
+              <a:t> </a:t>
+            </a:r>
+            <a:r>
+              <a:rPr lang="en-US" sz="1400" dirty="0">
+                <a:latin typeface="Arial Nova Light"/>
+              </a:rPr>
+              <a:t>– Built after BitKeeper, a proprietary source-control management (SCM) system</a:t>
+            </a:r>
+          </a:p>
+          <a:p>
+            <a:pPr algn="l"/>
+            <a:endParaRPr lang="en-US" sz="1400" dirty="0">
+              <a:latin typeface="Arial Nova Light"/>
+            </a:endParaRPr>
           </a:p>
         </p:txBody>
       </p:sp>
     </p:spTree>
     <p:extLst>
       <p:ext uri="{BB962C8B-B14F-4D97-AF65-F5344CB8AC3E}">
-        <p14:creationId xmlns:p14="http://schemas.microsoft.com/office/powerpoint/2010/main" val="970708728"/>
+        <p14:creationId xmlns:p14="http://schemas.microsoft.com/office/powerpoint/2010/main" val="907291826"/>
       </p:ext>
     </p:extLst>
   </p:cSld>
@@ -6995,15 +8328,15 @@
         <p:spPr>
           <a:xfrm>
             <a:off x="798991" y="1701797"/>
-            <a:ext cx="4962618" cy="2719283"/>
+            <a:ext cx="4962618" cy="3193735"/>
           </a:xfrm>
           <a:prstGeom prst="rect">
             <a:avLst/>
           </a:prstGeom>
         </p:spPr>
         <p:txBody>
-          <a:bodyPr vert="horz" lIns="91440" tIns="45720" rIns="91440" bIns="45720" rtlCol="0">
-            <a:normAutofit fontScale="70000" lnSpcReduction="20000"/>
+          <a:bodyPr vert="horz" lIns="91440" tIns="45720" rIns="91440" bIns="45720" rtlCol="0" anchor="t">
+            <a:normAutofit fontScale="92500" lnSpcReduction="10000"/>
           </a:bodyPr>
           <a:lstStyle>
             <a:lvl1pPr marL="0" indent="0" algn="ctr" defTabSz="914400" rtl="0" eaLnBrk="1" latinLnBrk="0" hangingPunct="1">
@@ -7188,11 +8521,14 @@
               </a:lnSpc>
             </a:pPr>
             <a:r>
-              <a:rPr lang="en-US" sz="1800" dirty="0">
-                <a:latin typeface="Arial Nova Light" panose="020B0304020202020204" pitchFamily="34" charset="0"/>
-              </a:rPr>
-              <a:t>Without version control, team members are subject to redundant tasks, slower timelines, and multiple copies of a single project. </a:t>
-            </a:r>
+              <a:rPr lang="en-US" sz="1400" dirty="0">
+                <a:latin typeface="Arial Nova Light"/>
+              </a:rPr>
+              <a:t>Without version control, team members are subject to redundant tasks, slower timelines, and multiple copies of a single project. </a:t>
+            </a:r>
+            <a:endParaRPr lang="en-US" sz="1400" dirty="0">
+              <a:latin typeface="Arial Nova Light" panose="020B0304020202020204" pitchFamily="34" charset="0"/>
+            </a:endParaRPr>
           </a:p>
           <a:p>
             <a:pPr algn="l" fontAlgn="ctr">
@@ -7201,11 +8537,14 @@
               </a:lnSpc>
             </a:pPr>
             <a:r>
-              <a:rPr lang="en-US" sz="1800" dirty="0">
-                <a:latin typeface="Arial Nova Light" panose="020B0304020202020204" pitchFamily="34" charset="0"/>
-              </a:rPr>
-              <a:t>To eliminate unnecessary work, Git and other VCSs give each contributor a unified and consistent view of a project, surfacing work that’s already in progress. </a:t>
-            </a:r>
+              <a:rPr lang="en-US" sz="1400" dirty="0">
+                <a:latin typeface="Arial Nova Light"/>
+              </a:rPr>
+              <a:t>To eliminate unnecessary work, Git and other VCSs give each contributor a unified and consistent view of a project, surfacing work that’s already in progress. </a:t>
+            </a:r>
+            <a:endParaRPr lang="en-US" sz="1400" dirty="0">
+              <a:latin typeface="Arial Nova Light" panose="020B0304020202020204" pitchFamily="34" charset="0"/>
+            </a:endParaRPr>
           </a:p>
           <a:p>
             <a:pPr algn="l" fontAlgn="ctr">
@@ -7214,8 +8553,8 @@
               </a:lnSpc>
             </a:pPr>
             <a:r>
-              <a:rPr lang="en-US" sz="1800" dirty="0">
-                <a:latin typeface="Arial Nova Light" panose="020B0304020202020204" pitchFamily="34" charset="0"/>
+              <a:rPr lang="en-US" sz="1400" dirty="0">
+                <a:latin typeface="Arial Nova Light"/>
               </a:rPr>
               <a:t>Seeing a transparent history of changes, who made them, and how they contribute to the development of a project helps team members stay aligned while working independently.</a:t>
             </a:r>
@@ -7481,6 +8820,472 @@
         </p:nvSpPr>
         <p:spPr>
           <a:xfrm>
+            <a:off x="798991" y="292392"/>
+            <a:ext cx="10360501" cy="1223963"/>
+          </a:xfrm>
+          <a:prstGeom prst="rect">
+            <a:avLst/>
+          </a:prstGeom>
+        </p:spPr>
+        <p:txBody>
+          <a:bodyPr vert="horz" lIns="91440" tIns="45720" rIns="91440" bIns="45720" rtlCol="0" anchor="b">
+            <a:normAutofit/>
+          </a:bodyPr>
+          <a:lstStyle>
+            <a:lvl1pPr algn="ctr" defTabSz="914400" rtl="0" eaLnBrk="1" latinLnBrk="0" hangingPunct="1">
+              <a:lnSpc>
+                <a:spcPct val="90000"/>
+              </a:lnSpc>
+              <a:spcBef>
+                <a:spcPct val="0"/>
+              </a:spcBef>
+              <a:buNone/>
+              <a:defRPr sz="6000" kern="1200">
+                <a:solidFill>
+                  <a:schemeClr val="tx1"/>
+                </a:solidFill>
+                <a:latin typeface="+mj-lt"/>
+                <a:ea typeface="+mj-ea"/>
+                <a:cs typeface="+mj-cs"/>
+              </a:defRPr>
+            </a:lvl1pPr>
+          </a:lstStyle>
+          <a:p>
+            <a:pPr algn="l"/>
+            <a:r>
+              <a:rPr lang="en-US" dirty="0">
+                <a:latin typeface="Arial Nova Light" panose="020B0604020202020204" pitchFamily="34" charset="0"/>
+              </a:rPr>
+              <a:t>GitHub</a:t>
+            </a:r>
+          </a:p>
+        </p:txBody>
+      </p:sp>
+      <p:sp>
+        <p:nvSpPr>
+          <p:cNvPr id="9" name="Content Placeholder 13">
+            <a:extLst>
+              <a:ext uri="{FF2B5EF4-FFF2-40B4-BE49-F238E27FC236}">
+                <a16:creationId xmlns:a16="http://schemas.microsoft.com/office/drawing/2014/main" id="{A92D1627-6BD8-42C1-BC9E-F97B04F680BA}"/>
+              </a:ext>
+            </a:extLst>
+          </p:cNvPr>
+          <p:cNvSpPr txBox="1">
+            <a:spLocks/>
+          </p:cNvSpPr>
+          <p:nvPr/>
+        </p:nvSpPr>
+        <p:spPr>
+          <a:xfrm>
+            <a:off x="798991" y="1701797"/>
+            <a:ext cx="4962618" cy="2719283"/>
+          </a:xfrm>
+          <a:prstGeom prst="rect">
+            <a:avLst/>
+          </a:prstGeom>
+        </p:spPr>
+        <p:txBody>
+          <a:bodyPr vert="horz" lIns="91440" tIns="45720" rIns="91440" bIns="45720" rtlCol="0">
+            <a:normAutofit fontScale="92500" lnSpcReduction="20000"/>
+          </a:bodyPr>
+          <a:lstStyle>
+            <a:lvl1pPr marL="0" indent="0" algn="ctr" defTabSz="914400" rtl="0" eaLnBrk="1" latinLnBrk="0" hangingPunct="1">
+              <a:lnSpc>
+                <a:spcPct val="90000"/>
+              </a:lnSpc>
+              <a:spcBef>
+                <a:spcPts val="1000"/>
+              </a:spcBef>
+              <a:buFont typeface="Arial" panose="020B0604020202020204" pitchFamily="34" charset="0"/>
+              <a:buNone/>
+              <a:defRPr sz="2400" kern="1200">
+                <a:solidFill>
+                  <a:schemeClr val="tx1"/>
+                </a:solidFill>
+                <a:latin typeface="+mn-lt"/>
+                <a:ea typeface="+mn-ea"/>
+                <a:cs typeface="+mn-cs"/>
+              </a:defRPr>
+            </a:lvl1pPr>
+            <a:lvl2pPr marL="457200" indent="0" algn="ctr" defTabSz="914400" rtl="0" eaLnBrk="1" latinLnBrk="0" hangingPunct="1">
+              <a:lnSpc>
+                <a:spcPct val="90000"/>
+              </a:lnSpc>
+              <a:spcBef>
+                <a:spcPts val="500"/>
+              </a:spcBef>
+              <a:buFont typeface="Arial" panose="020B0604020202020204" pitchFamily="34" charset="0"/>
+              <a:buNone/>
+              <a:defRPr sz="2000" kern="1200">
+                <a:solidFill>
+                  <a:schemeClr val="tx1"/>
+                </a:solidFill>
+                <a:latin typeface="+mn-lt"/>
+                <a:ea typeface="+mn-ea"/>
+                <a:cs typeface="+mn-cs"/>
+              </a:defRPr>
+            </a:lvl2pPr>
+            <a:lvl3pPr marL="914400" indent="0" algn="ctr" defTabSz="914400" rtl="0" eaLnBrk="1" latinLnBrk="0" hangingPunct="1">
+              <a:lnSpc>
+                <a:spcPct val="90000"/>
+              </a:lnSpc>
+              <a:spcBef>
+                <a:spcPts val="500"/>
+              </a:spcBef>
+              <a:buFont typeface="Arial" panose="020B0604020202020204" pitchFamily="34" charset="0"/>
+              <a:buNone/>
+              <a:defRPr sz="1800" kern="1200">
+                <a:solidFill>
+                  <a:schemeClr val="tx1"/>
+                </a:solidFill>
+                <a:latin typeface="+mn-lt"/>
+                <a:ea typeface="+mn-ea"/>
+                <a:cs typeface="+mn-cs"/>
+              </a:defRPr>
+            </a:lvl3pPr>
+            <a:lvl4pPr marL="1371600" indent="0" algn="ctr" defTabSz="914400" rtl="0" eaLnBrk="1" latinLnBrk="0" hangingPunct="1">
+              <a:lnSpc>
+                <a:spcPct val="90000"/>
+              </a:lnSpc>
+              <a:spcBef>
+                <a:spcPts val="500"/>
+              </a:spcBef>
+              <a:buFont typeface="Arial" panose="020B0604020202020204" pitchFamily="34" charset="0"/>
+              <a:buNone/>
+              <a:defRPr sz="1600" kern="1200">
+                <a:solidFill>
+                  <a:schemeClr val="tx1"/>
+                </a:solidFill>
+                <a:latin typeface="+mn-lt"/>
+                <a:ea typeface="+mn-ea"/>
+                <a:cs typeface="+mn-cs"/>
+              </a:defRPr>
+            </a:lvl4pPr>
+            <a:lvl5pPr marL="1828800" indent="0" algn="ctr" defTabSz="914400" rtl="0" eaLnBrk="1" latinLnBrk="0" hangingPunct="1">
+              <a:lnSpc>
+                <a:spcPct val="90000"/>
+              </a:lnSpc>
+              <a:spcBef>
+                <a:spcPts val="500"/>
+              </a:spcBef>
+              <a:buFont typeface="Arial" panose="020B0604020202020204" pitchFamily="34" charset="0"/>
+              <a:buNone/>
+              <a:defRPr sz="1600" kern="1200">
+                <a:solidFill>
+                  <a:schemeClr val="tx1"/>
+                </a:solidFill>
+                <a:latin typeface="+mn-lt"/>
+                <a:ea typeface="+mn-ea"/>
+                <a:cs typeface="+mn-cs"/>
+              </a:defRPr>
+            </a:lvl5pPr>
+            <a:lvl6pPr marL="2286000" indent="0" algn="ctr" defTabSz="914400" rtl="0" eaLnBrk="1" latinLnBrk="0" hangingPunct="1">
+              <a:lnSpc>
+                <a:spcPct val="90000"/>
+              </a:lnSpc>
+              <a:spcBef>
+                <a:spcPts val="500"/>
+              </a:spcBef>
+              <a:buFont typeface="Arial" panose="020B0604020202020204" pitchFamily="34" charset="0"/>
+              <a:buNone/>
+              <a:defRPr sz="1600" kern="1200">
+                <a:solidFill>
+                  <a:schemeClr val="tx1"/>
+                </a:solidFill>
+                <a:latin typeface="+mn-lt"/>
+                <a:ea typeface="+mn-ea"/>
+                <a:cs typeface="+mn-cs"/>
+              </a:defRPr>
+            </a:lvl6pPr>
+            <a:lvl7pPr marL="2743200" indent="0" algn="ctr" defTabSz="914400" rtl="0" eaLnBrk="1" latinLnBrk="0" hangingPunct="1">
+              <a:lnSpc>
+                <a:spcPct val="90000"/>
+              </a:lnSpc>
+              <a:spcBef>
+                <a:spcPts val="500"/>
+              </a:spcBef>
+              <a:buFont typeface="Arial" panose="020B0604020202020204" pitchFamily="34" charset="0"/>
+              <a:buNone/>
+              <a:defRPr sz="1600" kern="1200">
+                <a:solidFill>
+                  <a:schemeClr val="tx1"/>
+                </a:solidFill>
+                <a:latin typeface="+mn-lt"/>
+                <a:ea typeface="+mn-ea"/>
+                <a:cs typeface="+mn-cs"/>
+              </a:defRPr>
+            </a:lvl7pPr>
+            <a:lvl8pPr marL="3200400" indent="0" algn="ctr" defTabSz="914400" rtl="0" eaLnBrk="1" latinLnBrk="0" hangingPunct="1">
+              <a:lnSpc>
+                <a:spcPct val="90000"/>
+              </a:lnSpc>
+              <a:spcBef>
+                <a:spcPts val="500"/>
+              </a:spcBef>
+              <a:buFont typeface="Arial" panose="020B0604020202020204" pitchFamily="34" charset="0"/>
+              <a:buNone/>
+              <a:defRPr sz="1600" kern="1200">
+                <a:solidFill>
+                  <a:schemeClr val="tx1"/>
+                </a:solidFill>
+                <a:latin typeface="+mn-lt"/>
+                <a:ea typeface="+mn-ea"/>
+                <a:cs typeface="+mn-cs"/>
+              </a:defRPr>
+            </a:lvl8pPr>
+            <a:lvl9pPr marL="3657600" indent="0" algn="ctr" defTabSz="914400" rtl="0" eaLnBrk="1" latinLnBrk="0" hangingPunct="1">
+              <a:lnSpc>
+                <a:spcPct val="90000"/>
+              </a:lnSpc>
+              <a:spcBef>
+                <a:spcPts val="500"/>
+              </a:spcBef>
+              <a:buFont typeface="Arial" panose="020B0604020202020204" pitchFamily="34" charset="0"/>
+              <a:buNone/>
+              <a:defRPr sz="1600" kern="1200">
+                <a:solidFill>
+                  <a:schemeClr val="tx1"/>
+                </a:solidFill>
+                <a:latin typeface="+mn-lt"/>
+                <a:ea typeface="+mn-ea"/>
+                <a:cs typeface="+mn-cs"/>
+              </a:defRPr>
+            </a:lvl9pPr>
+          </a:lstStyle>
+          <a:p>
+            <a:pPr algn="l" fontAlgn="ctr">
+              <a:lnSpc>
+                <a:spcPct val="130000"/>
+              </a:lnSpc>
+            </a:pPr>
+            <a:r>
+              <a:rPr lang="en-US" sz="2200" b="1" dirty="0">
+                <a:latin typeface="Arial Nova Light" panose="020B0304020202020204" pitchFamily="34" charset="0"/>
+              </a:rPr>
+              <a:t>How GitHub fits in</a:t>
+            </a:r>
+          </a:p>
+          <a:p>
+            <a:pPr algn="l" fontAlgn="ctr">
+              <a:lnSpc>
+                <a:spcPct val="130000"/>
+              </a:lnSpc>
+            </a:pPr>
+            <a:r>
+              <a:rPr lang="en-US" sz="1600" dirty="0">
+                <a:latin typeface="Arial Nova Light" panose="020B0304020202020204" pitchFamily="34" charset="0"/>
+              </a:rPr>
+              <a:t>GitHub is a Git hosting repository that provides developers with tools to ship better code through command line features, issues (threaded discussions), pull requests, code review, or the use of a collection of free and for-purchase apps in the GitHub Marketplace. With collaboration layers like the GitHub flow, a community of 15 million developers, and an ecosystem with hundreds of integrations, GitHub changes the way software is built.</a:t>
+            </a:r>
+          </a:p>
+        </p:txBody>
+      </p:sp>
+      <p:sp>
+        <p:nvSpPr>
+          <p:cNvPr id="4" name="Content Placeholder 13">
+            <a:extLst>
+              <a:ext uri="{FF2B5EF4-FFF2-40B4-BE49-F238E27FC236}">
+                <a16:creationId xmlns:a16="http://schemas.microsoft.com/office/drawing/2014/main" id="{633E47F3-DCAC-441D-A021-628064A68797}"/>
+              </a:ext>
+            </a:extLst>
+          </p:cNvPr>
+          <p:cNvSpPr txBox="1">
+            <a:spLocks/>
+          </p:cNvSpPr>
+          <p:nvPr/>
+        </p:nvSpPr>
+        <p:spPr>
+          <a:xfrm>
+            <a:off x="5996549" y="1701797"/>
+            <a:ext cx="5810752" cy="3047756"/>
+          </a:xfrm>
+          <a:prstGeom prst="rect">
+            <a:avLst/>
+          </a:prstGeom>
+        </p:spPr>
+        <p:txBody>
+          <a:bodyPr vert="horz" lIns="91440" tIns="45720" rIns="91440" bIns="45720" rtlCol="0">
+            <a:normAutofit/>
+          </a:bodyPr>
+          <a:lstStyle>
+            <a:defPPr>
+              <a:defRPr lang="en-US"/>
+            </a:defPPr>
+            <a:lvl1pPr indent="0" fontAlgn="ctr">
+              <a:lnSpc>
+                <a:spcPct val="90000"/>
+              </a:lnSpc>
+              <a:spcBef>
+                <a:spcPts val="1000"/>
+              </a:spcBef>
+              <a:buFont typeface="Arial" panose="020B0604020202020204" pitchFamily="34" charset="0"/>
+              <a:buNone/>
+              <a:defRPr sz="2400" b="1"/>
+            </a:lvl1pPr>
+            <a:lvl2pPr marL="377886" lvl="1" indent="0" algn="ctr">
+              <a:lnSpc>
+                <a:spcPct val="90000"/>
+              </a:lnSpc>
+              <a:spcBef>
+                <a:spcPts val="500"/>
+              </a:spcBef>
+              <a:buFont typeface="Arial" panose="020B0604020202020204" pitchFamily="34" charset="0"/>
+              <a:buNone/>
+              <a:defRPr sz="1000">
+                <a:latin typeface="Arial Nova Light" panose="020B0604020202020204" pitchFamily="34" charset="0"/>
+              </a:defRPr>
+            </a:lvl2pPr>
+            <a:lvl3pPr indent="0" algn="ctr">
+              <a:lnSpc>
+                <a:spcPct val="90000"/>
+              </a:lnSpc>
+              <a:spcBef>
+                <a:spcPts val="500"/>
+              </a:spcBef>
+              <a:buFont typeface="Arial" panose="020B0604020202020204" pitchFamily="34" charset="0"/>
+              <a:buNone/>
+            </a:lvl3pPr>
+            <a:lvl4pPr indent="0" algn="ctr">
+              <a:lnSpc>
+                <a:spcPct val="90000"/>
+              </a:lnSpc>
+              <a:spcBef>
+                <a:spcPts val="500"/>
+              </a:spcBef>
+              <a:buFont typeface="Arial" panose="020B0604020202020204" pitchFamily="34" charset="0"/>
+              <a:buNone/>
+              <a:defRPr sz="1600"/>
+            </a:lvl4pPr>
+            <a:lvl5pPr indent="0" algn="ctr">
+              <a:lnSpc>
+                <a:spcPct val="90000"/>
+              </a:lnSpc>
+              <a:spcBef>
+                <a:spcPts val="500"/>
+              </a:spcBef>
+              <a:buFont typeface="Arial" panose="020B0604020202020204" pitchFamily="34" charset="0"/>
+              <a:buNone/>
+              <a:defRPr sz="1600"/>
+            </a:lvl5pPr>
+            <a:lvl6pPr indent="0" algn="ctr">
+              <a:lnSpc>
+                <a:spcPct val="90000"/>
+              </a:lnSpc>
+              <a:spcBef>
+                <a:spcPts val="500"/>
+              </a:spcBef>
+              <a:buFont typeface="Arial" panose="020B0604020202020204" pitchFamily="34" charset="0"/>
+              <a:buNone/>
+              <a:defRPr sz="1600"/>
+            </a:lvl6pPr>
+            <a:lvl7pPr indent="0" algn="ctr">
+              <a:lnSpc>
+                <a:spcPct val="90000"/>
+              </a:lnSpc>
+              <a:spcBef>
+                <a:spcPts val="500"/>
+              </a:spcBef>
+              <a:buFont typeface="Arial" panose="020B0604020202020204" pitchFamily="34" charset="0"/>
+              <a:buNone/>
+              <a:defRPr sz="1600"/>
+            </a:lvl7pPr>
+            <a:lvl8pPr indent="0" algn="ctr">
+              <a:lnSpc>
+                <a:spcPct val="90000"/>
+              </a:lnSpc>
+              <a:spcBef>
+                <a:spcPts val="500"/>
+              </a:spcBef>
+              <a:buFont typeface="Arial" panose="020B0604020202020204" pitchFamily="34" charset="0"/>
+              <a:buNone/>
+              <a:defRPr sz="1600"/>
+            </a:lvl8pPr>
+            <a:lvl9pPr indent="0" algn="ctr">
+              <a:lnSpc>
+                <a:spcPct val="90000"/>
+              </a:lnSpc>
+              <a:spcBef>
+                <a:spcPts val="500"/>
+              </a:spcBef>
+              <a:buFont typeface="Arial" panose="020B0604020202020204" pitchFamily="34" charset="0"/>
+              <a:buNone/>
+              <a:defRPr sz="1600"/>
+            </a:lvl9pPr>
+          </a:lstStyle>
+          <a:p>
+            <a:pPr>
+              <a:lnSpc>
+                <a:spcPct val="130000"/>
+              </a:lnSpc>
+            </a:pPr>
+            <a:r>
+              <a:rPr lang="en-US" sz="2000" dirty="0">
+                <a:latin typeface="Arial Nova Light" panose="020B0304020202020204" pitchFamily="34" charset="0"/>
+              </a:rPr>
+              <a:t>How it works</a:t>
+            </a:r>
+          </a:p>
+          <a:p>
+            <a:pPr>
+              <a:lnSpc>
+                <a:spcPct val="130000"/>
+              </a:lnSpc>
+            </a:pPr>
+            <a:r>
+              <a:rPr lang="en-US" sz="1500" b="0" dirty="0">
+                <a:latin typeface="Arial Nova Light" panose="020B0304020202020204" pitchFamily="34" charset="0"/>
+              </a:rPr>
+              <a:t>GitHub builds collaboration directly into the development process. Work is organized into repositories, where developers can outline requirements or direction and set expectations for team members. Then, using the GitHub flow, developers simply create a branch to work on updates, commit changes to save them, open a pull request to propose and discuss changes, and merge pull requests once everyone is on the same page.</a:t>
+            </a:r>
+          </a:p>
+        </p:txBody>
+      </p:sp>
+    </p:spTree>
+    <p:extLst>
+      <p:ext uri="{BB962C8B-B14F-4D97-AF65-F5344CB8AC3E}">
+        <p14:creationId xmlns:p14="http://schemas.microsoft.com/office/powerpoint/2010/main" val="970708728"/>
+      </p:ext>
+    </p:extLst>
+  </p:cSld>
+  <p:clrMapOvr>
+    <a:masterClrMapping/>
+  </p:clrMapOvr>
+</p:sld>
+</file>
+
+<file path=ppt/slides/slide7.xml><?xml version="1.0" encoding="utf-8"?>
+<p:sld xmlns:a="http://schemas.openxmlformats.org/drawingml/2006/main" xmlns:r="http://schemas.openxmlformats.org/officeDocument/2006/relationships" xmlns:p="http://schemas.openxmlformats.org/presentationml/2006/main">
+  <p:cSld>
+    <p:spTree>
+      <p:nvGrpSpPr>
+        <p:cNvPr id="1" name=""/>
+        <p:cNvGrpSpPr/>
+        <p:nvPr/>
+      </p:nvGrpSpPr>
+      <p:grpSpPr>
+        <a:xfrm>
+          <a:off x="0" y="0"/>
+          <a:ext cx="0" cy="0"/>
+          <a:chOff x="0" y="0"/>
+          <a:chExt cx="0" cy="0"/>
+        </a:xfrm>
+      </p:grpSpPr>
+      <p:sp>
+        <p:nvSpPr>
+          <p:cNvPr id="8" name="Title 12">
+            <a:extLst>
+              <a:ext uri="{FF2B5EF4-FFF2-40B4-BE49-F238E27FC236}">
+                <a16:creationId xmlns:a16="http://schemas.microsoft.com/office/drawing/2014/main" id="{608A8A71-2F06-47B0-A96B-2F1190096DE7}"/>
+              </a:ext>
+            </a:extLst>
+          </p:cNvPr>
+          <p:cNvSpPr txBox="1">
+            <a:spLocks/>
+          </p:cNvSpPr>
+          <p:nvPr/>
+        </p:nvSpPr>
+        <p:spPr>
+          <a:xfrm>
             <a:off x="798991" y="274637"/>
             <a:ext cx="10360501" cy="1223963"/>
           </a:xfrm>
@@ -7538,7 +9343,7 @@
         </p:nvSpPr>
         <p:spPr>
           <a:xfrm>
-            <a:off x="798991" y="1701797"/>
+            <a:off x="798991" y="4304099"/>
             <a:ext cx="4962618" cy="2719283"/>
           </a:xfrm>
           <a:prstGeom prst="rect">
@@ -7941,7 +9746,7 @@
         </p:nvSpPr>
         <p:spPr>
           <a:xfrm>
-            <a:off x="798991" y="4038104"/>
+            <a:off x="798991" y="1593953"/>
             <a:ext cx="4962618" cy="2719283"/>
           </a:xfrm>
           <a:prstGeom prst="rect">
@@ -8153,7 +9958,7 @@
 </p:sld>
 </file>
 
-<file path=ppt/slides/slide7.xml><?xml version="1.0" encoding="utf-8"?>
+<file path=ppt/slides/slide8.xml><?xml version="1.0" encoding="utf-8"?>
 <p:sld xmlns:a="http://schemas.openxmlformats.org/drawingml/2006/main" xmlns:r="http://schemas.openxmlformats.org/officeDocument/2006/relationships" xmlns:p="http://schemas.openxmlformats.org/presentationml/2006/main">
   <p:cSld>
     <p:spTree>
@@ -8696,7 +10501,7 @@
 </p:sld>
 </file>
 
-<file path=ppt/slides/slide8.xml><?xml version="1.0" encoding="utf-8"?>
+<file path=ppt/slides/slide9.xml><?xml version="1.0" encoding="utf-8"?>
 <p:sld xmlns:a="http://schemas.openxmlformats.org/drawingml/2006/main" xmlns:r="http://schemas.openxmlformats.org/officeDocument/2006/relationships" xmlns:p="http://schemas.openxmlformats.org/presentationml/2006/main">
   <p:cSld>
     <p:spTree>
@@ -9033,480 +10838,6 @@
     <p:extLst>
       <p:ext uri="{BB962C8B-B14F-4D97-AF65-F5344CB8AC3E}">
         <p14:creationId xmlns:p14="http://schemas.microsoft.com/office/powerpoint/2010/main" val="2144505935"/>
-      </p:ext>
-    </p:extLst>
-  </p:cSld>
-  <p:clrMapOvr>
-    <a:masterClrMapping/>
-  </p:clrMapOvr>
-</p:sld>
-</file>
-
-<file path=ppt/slides/slide9.xml><?xml version="1.0" encoding="utf-8"?>
-<p:sld xmlns:a="http://schemas.openxmlformats.org/drawingml/2006/main" xmlns:r="http://schemas.openxmlformats.org/officeDocument/2006/relationships" xmlns:p="http://schemas.openxmlformats.org/presentationml/2006/main">
-  <p:cSld>
-    <p:spTree>
-      <p:nvGrpSpPr>
-        <p:cNvPr id="1" name=""/>
-        <p:cNvGrpSpPr/>
-        <p:nvPr/>
-      </p:nvGrpSpPr>
-      <p:grpSpPr>
-        <a:xfrm>
-          <a:off x="0" y="0"/>
-          <a:ext cx="0" cy="0"/>
-          <a:chOff x="0" y="0"/>
-          <a:chExt cx="0" cy="0"/>
-        </a:xfrm>
-      </p:grpSpPr>
-      <p:sp>
-        <p:nvSpPr>
-          <p:cNvPr id="8" name="Title 12">
-            <a:extLst>
-              <a:ext uri="{FF2B5EF4-FFF2-40B4-BE49-F238E27FC236}">
-                <a16:creationId xmlns:a16="http://schemas.microsoft.com/office/drawing/2014/main" id="{608A8A71-2F06-47B0-A96B-2F1190096DE7}"/>
-              </a:ext>
-            </a:extLst>
-          </p:cNvPr>
-          <p:cNvSpPr txBox="1">
-            <a:spLocks/>
-          </p:cNvSpPr>
-          <p:nvPr/>
-        </p:nvSpPr>
-        <p:spPr>
-          <a:xfrm>
-            <a:off x="798990" y="265189"/>
-            <a:ext cx="10360501" cy="1223963"/>
-          </a:xfrm>
-          <a:prstGeom prst="rect">
-            <a:avLst/>
-          </a:prstGeom>
-        </p:spPr>
-        <p:txBody>
-          <a:bodyPr vert="horz" lIns="91440" tIns="45720" rIns="91440" bIns="45720" rtlCol="0" anchor="b">
-            <a:normAutofit/>
-          </a:bodyPr>
-          <a:lstStyle>
-            <a:lvl1pPr algn="ctr" defTabSz="914400" rtl="0" eaLnBrk="1" latinLnBrk="0" hangingPunct="1">
-              <a:lnSpc>
-                <a:spcPct val="90000"/>
-              </a:lnSpc>
-              <a:spcBef>
-                <a:spcPct val="0"/>
-              </a:spcBef>
-              <a:buNone/>
-              <a:defRPr sz="6000" kern="1200">
-                <a:solidFill>
-                  <a:schemeClr val="tx1"/>
-                </a:solidFill>
-                <a:latin typeface="+mj-lt"/>
-                <a:ea typeface="+mj-ea"/>
-                <a:cs typeface="+mj-cs"/>
-              </a:defRPr>
-            </a:lvl1pPr>
-          </a:lstStyle>
-          <a:p>
-            <a:pPr algn="l"/>
-            <a:r>
-              <a:rPr lang="en-US" dirty="0">
-                <a:latin typeface="Arial Nova Light" panose="020B0604020202020204" pitchFamily="34" charset="0"/>
-              </a:rPr>
-              <a:t>Common Git Commands</a:t>
-            </a:r>
-          </a:p>
-        </p:txBody>
-      </p:sp>
-      <p:sp>
-        <p:nvSpPr>
-          <p:cNvPr id="9" name="Content Placeholder 13">
-            <a:extLst>
-              <a:ext uri="{FF2B5EF4-FFF2-40B4-BE49-F238E27FC236}">
-                <a16:creationId xmlns:a16="http://schemas.microsoft.com/office/drawing/2014/main" id="{A92D1627-6BD8-42C1-BC9E-F97B04F680BA}"/>
-              </a:ext>
-            </a:extLst>
-          </p:cNvPr>
-          <p:cNvSpPr txBox="1">
-            <a:spLocks/>
-          </p:cNvSpPr>
-          <p:nvPr/>
-        </p:nvSpPr>
-        <p:spPr>
-          <a:xfrm>
-            <a:off x="798990" y="1722269"/>
-            <a:ext cx="10780393" cy="4861094"/>
-          </a:xfrm>
-          <a:prstGeom prst="rect">
-            <a:avLst/>
-          </a:prstGeom>
-        </p:spPr>
-        <p:txBody>
-          <a:bodyPr vert="horz" lIns="91440" tIns="45720" rIns="91440" bIns="45720" rtlCol="0">
-            <a:normAutofit fontScale="47500" lnSpcReduction="20000"/>
-          </a:bodyPr>
-          <a:lstStyle>
-            <a:lvl1pPr marL="0" indent="0" algn="ctr" defTabSz="914400" rtl="0" eaLnBrk="1" latinLnBrk="0" hangingPunct="1">
-              <a:lnSpc>
-                <a:spcPct val="90000"/>
-              </a:lnSpc>
-              <a:spcBef>
-                <a:spcPts val="1000"/>
-              </a:spcBef>
-              <a:buFont typeface="Arial" panose="020B0604020202020204" pitchFamily="34" charset="0"/>
-              <a:buNone/>
-              <a:defRPr sz="2400" kern="1200">
-                <a:solidFill>
-                  <a:schemeClr val="tx1"/>
-                </a:solidFill>
-                <a:latin typeface="+mn-lt"/>
-                <a:ea typeface="+mn-ea"/>
-                <a:cs typeface="+mn-cs"/>
-              </a:defRPr>
-            </a:lvl1pPr>
-            <a:lvl2pPr marL="457200" indent="0" algn="ctr" defTabSz="914400" rtl="0" eaLnBrk="1" latinLnBrk="0" hangingPunct="1">
-              <a:lnSpc>
-                <a:spcPct val="90000"/>
-              </a:lnSpc>
-              <a:spcBef>
-                <a:spcPts val="500"/>
-              </a:spcBef>
-              <a:buFont typeface="Arial" panose="020B0604020202020204" pitchFamily="34" charset="0"/>
-              <a:buNone/>
-              <a:defRPr sz="2000" kern="1200">
-                <a:solidFill>
-                  <a:schemeClr val="tx1"/>
-                </a:solidFill>
-                <a:latin typeface="+mn-lt"/>
-                <a:ea typeface="+mn-ea"/>
-                <a:cs typeface="+mn-cs"/>
-              </a:defRPr>
-            </a:lvl2pPr>
-            <a:lvl3pPr marL="914400" indent="0" algn="ctr" defTabSz="914400" rtl="0" eaLnBrk="1" latinLnBrk="0" hangingPunct="1">
-              <a:lnSpc>
-                <a:spcPct val="90000"/>
-              </a:lnSpc>
-              <a:spcBef>
-                <a:spcPts val="500"/>
-              </a:spcBef>
-              <a:buFont typeface="Arial" panose="020B0604020202020204" pitchFamily="34" charset="0"/>
-              <a:buNone/>
-              <a:defRPr sz="1800" kern="1200">
-                <a:solidFill>
-                  <a:schemeClr val="tx1"/>
-                </a:solidFill>
-                <a:latin typeface="+mn-lt"/>
-                <a:ea typeface="+mn-ea"/>
-                <a:cs typeface="+mn-cs"/>
-              </a:defRPr>
-            </a:lvl3pPr>
-            <a:lvl4pPr marL="1371600" indent="0" algn="ctr" defTabSz="914400" rtl="0" eaLnBrk="1" latinLnBrk="0" hangingPunct="1">
-              <a:lnSpc>
-                <a:spcPct val="90000"/>
-              </a:lnSpc>
-              <a:spcBef>
-                <a:spcPts val="500"/>
-              </a:spcBef>
-              <a:buFont typeface="Arial" panose="020B0604020202020204" pitchFamily="34" charset="0"/>
-              <a:buNone/>
-              <a:defRPr sz="1600" kern="1200">
-                <a:solidFill>
-                  <a:schemeClr val="tx1"/>
-                </a:solidFill>
-                <a:latin typeface="+mn-lt"/>
-                <a:ea typeface="+mn-ea"/>
-                <a:cs typeface="+mn-cs"/>
-              </a:defRPr>
-            </a:lvl4pPr>
-            <a:lvl5pPr marL="1828800" indent="0" algn="ctr" defTabSz="914400" rtl="0" eaLnBrk="1" latinLnBrk="0" hangingPunct="1">
-              <a:lnSpc>
-                <a:spcPct val="90000"/>
-              </a:lnSpc>
-              <a:spcBef>
-                <a:spcPts val="500"/>
-              </a:spcBef>
-              <a:buFont typeface="Arial" panose="020B0604020202020204" pitchFamily="34" charset="0"/>
-              <a:buNone/>
-              <a:defRPr sz="1600" kern="1200">
-                <a:solidFill>
-                  <a:schemeClr val="tx1"/>
-                </a:solidFill>
-                <a:latin typeface="+mn-lt"/>
-                <a:ea typeface="+mn-ea"/>
-                <a:cs typeface="+mn-cs"/>
-              </a:defRPr>
-            </a:lvl5pPr>
-            <a:lvl6pPr marL="2286000" indent="0" algn="ctr" defTabSz="914400" rtl="0" eaLnBrk="1" latinLnBrk="0" hangingPunct="1">
-              <a:lnSpc>
-                <a:spcPct val="90000"/>
-              </a:lnSpc>
-              <a:spcBef>
-                <a:spcPts val="500"/>
-              </a:spcBef>
-              <a:buFont typeface="Arial" panose="020B0604020202020204" pitchFamily="34" charset="0"/>
-              <a:buNone/>
-              <a:defRPr sz="1600" kern="1200">
-                <a:solidFill>
-                  <a:schemeClr val="tx1"/>
-                </a:solidFill>
-                <a:latin typeface="+mn-lt"/>
-                <a:ea typeface="+mn-ea"/>
-                <a:cs typeface="+mn-cs"/>
-              </a:defRPr>
-            </a:lvl6pPr>
-            <a:lvl7pPr marL="2743200" indent="0" algn="ctr" defTabSz="914400" rtl="0" eaLnBrk="1" latinLnBrk="0" hangingPunct="1">
-              <a:lnSpc>
-                <a:spcPct val="90000"/>
-              </a:lnSpc>
-              <a:spcBef>
-                <a:spcPts val="500"/>
-              </a:spcBef>
-              <a:buFont typeface="Arial" panose="020B0604020202020204" pitchFamily="34" charset="0"/>
-              <a:buNone/>
-              <a:defRPr sz="1600" kern="1200">
-                <a:solidFill>
-                  <a:schemeClr val="tx1"/>
-                </a:solidFill>
-                <a:latin typeface="+mn-lt"/>
-                <a:ea typeface="+mn-ea"/>
-                <a:cs typeface="+mn-cs"/>
-              </a:defRPr>
-            </a:lvl7pPr>
-            <a:lvl8pPr marL="3200400" indent="0" algn="ctr" defTabSz="914400" rtl="0" eaLnBrk="1" latinLnBrk="0" hangingPunct="1">
-              <a:lnSpc>
-                <a:spcPct val="90000"/>
-              </a:lnSpc>
-              <a:spcBef>
-                <a:spcPts val="500"/>
-              </a:spcBef>
-              <a:buFont typeface="Arial" panose="020B0604020202020204" pitchFamily="34" charset="0"/>
-              <a:buNone/>
-              <a:defRPr sz="1600" kern="1200">
-                <a:solidFill>
-                  <a:schemeClr val="tx1"/>
-                </a:solidFill>
-                <a:latin typeface="+mn-lt"/>
-                <a:ea typeface="+mn-ea"/>
-                <a:cs typeface="+mn-cs"/>
-              </a:defRPr>
-            </a:lvl8pPr>
-            <a:lvl9pPr marL="3657600" indent="0" algn="ctr" defTabSz="914400" rtl="0" eaLnBrk="1" latinLnBrk="0" hangingPunct="1">
-              <a:lnSpc>
-                <a:spcPct val="90000"/>
-              </a:lnSpc>
-              <a:spcBef>
-                <a:spcPts val="500"/>
-              </a:spcBef>
-              <a:buFont typeface="Arial" panose="020B0604020202020204" pitchFamily="34" charset="0"/>
-              <a:buNone/>
-              <a:defRPr sz="1600" kern="1200">
-                <a:solidFill>
-                  <a:schemeClr val="tx1"/>
-                </a:solidFill>
-                <a:latin typeface="+mn-lt"/>
-                <a:ea typeface="+mn-ea"/>
-                <a:cs typeface="+mn-cs"/>
-              </a:defRPr>
-            </a:lvl9pPr>
-          </a:lstStyle>
-          <a:p>
-            <a:pPr algn="l" fontAlgn="ctr">
-              <a:lnSpc>
-                <a:spcPct val="130000"/>
-              </a:lnSpc>
-            </a:pPr>
-            <a:r>
-              <a:rPr lang="en-US" sz="2500" b="1" u="sng" dirty="0">
-                <a:latin typeface="Arial Nova Light" panose="020B0304020202020204" pitchFamily="34" charset="0"/>
-              </a:rPr>
-              <a:t>Basic Commands:</a:t>
-            </a:r>
-          </a:p>
-          <a:p>
-            <a:pPr algn="l" fontAlgn="ctr">
-              <a:lnSpc>
-                <a:spcPct val="120000"/>
-              </a:lnSpc>
-            </a:pPr>
-            <a:r>
-              <a:rPr lang="en-US" sz="2500" b="1" dirty="0">
-                <a:latin typeface="Arial Nova Light" panose="020B0304020202020204" pitchFamily="34" charset="0"/>
-              </a:rPr>
-              <a:t>git init </a:t>
-            </a:r>
-            <a:r>
-              <a:rPr lang="en-US" sz="2500" dirty="0">
-                <a:latin typeface="Arial Nova Light" panose="020B0304020202020204" pitchFamily="34" charset="0"/>
-              </a:rPr>
-              <a:t>initializes a brand new Git repository and begins tracking an existing directory. It adds a hidden subfolder within the existing directory that houses the internal data structure required for version control.</a:t>
-            </a:r>
-          </a:p>
-          <a:p>
-            <a:pPr algn="l" fontAlgn="ctr">
-              <a:lnSpc>
-                <a:spcPct val="120000"/>
-              </a:lnSpc>
-            </a:pPr>
-            <a:r>
-              <a:rPr lang="en-US" sz="2500" b="1" dirty="0">
-                <a:latin typeface="Arial Nova Light" panose="020B0304020202020204" pitchFamily="34" charset="0"/>
-              </a:rPr>
-              <a:t>git clone </a:t>
-            </a:r>
-            <a:r>
-              <a:rPr lang="en-US" sz="2500" dirty="0">
-                <a:latin typeface="Arial Nova Light" panose="020B0304020202020204" pitchFamily="34" charset="0"/>
-              </a:rPr>
-              <a:t>creates a local copy of a project that already exists remotely. The clone includes all the project’s files, history, and branches.</a:t>
-            </a:r>
-          </a:p>
-          <a:p>
-            <a:pPr algn="l" fontAlgn="ctr">
-              <a:lnSpc>
-                <a:spcPct val="120000"/>
-              </a:lnSpc>
-            </a:pPr>
-            <a:r>
-              <a:rPr lang="en-US" sz="2500" b="1" dirty="0">
-                <a:latin typeface="Arial Nova Light" panose="020B0304020202020204" pitchFamily="34" charset="0"/>
-              </a:rPr>
-              <a:t>git add </a:t>
-            </a:r>
-            <a:r>
-              <a:rPr lang="en-US" sz="2500" dirty="0">
-                <a:latin typeface="Arial Nova Light" panose="020B0304020202020204" pitchFamily="34" charset="0"/>
-              </a:rPr>
-              <a:t>stages a change. Git tracks changes to a developer’s codebase, but it’s necessary to stage and take a snapshot of the changes to include them in the project’s history. This command performs staging, the first part of that two-step process. Any changes that are staged will become a part of the next snapshot and a part of the project’s history. Staging and committing separately gives developers complete control over the history of their project without changing how they code and work.</a:t>
-            </a:r>
-          </a:p>
-          <a:p>
-            <a:pPr algn="l" fontAlgn="ctr">
-              <a:lnSpc>
-                <a:spcPct val="120000"/>
-              </a:lnSpc>
-            </a:pPr>
-            <a:r>
-              <a:rPr lang="en-US" sz="2500" b="1" dirty="0">
-                <a:latin typeface="Arial Nova Light" panose="020B0304020202020204" pitchFamily="34" charset="0"/>
-              </a:rPr>
-              <a:t>git commit </a:t>
-            </a:r>
-            <a:r>
-              <a:rPr lang="en-US" sz="2500" dirty="0">
-                <a:latin typeface="Arial Nova Light" panose="020B0304020202020204" pitchFamily="34" charset="0"/>
-              </a:rPr>
-              <a:t>saves the snapshot to the project history and completes the change-tracking process. In short, a commit functions like taking a photo. Anything that’s been staged with git add will become a part of the snapshot with git commit.</a:t>
-            </a:r>
-          </a:p>
-          <a:p>
-            <a:pPr algn="l" fontAlgn="ctr">
-              <a:lnSpc>
-                <a:spcPct val="120000"/>
-              </a:lnSpc>
-            </a:pPr>
-            <a:r>
-              <a:rPr lang="en-US" sz="2500" b="1" dirty="0">
-                <a:latin typeface="Arial Nova Light" panose="020B0304020202020204" pitchFamily="34" charset="0"/>
-              </a:rPr>
-              <a:t>git status </a:t>
-            </a:r>
-            <a:r>
-              <a:rPr lang="en-US" sz="2500" dirty="0">
-                <a:latin typeface="Arial Nova Light" panose="020B0304020202020204" pitchFamily="34" charset="0"/>
-              </a:rPr>
-              <a:t>shows the status of changes as untracked, modified, or staged.</a:t>
-            </a:r>
-          </a:p>
-          <a:p>
-            <a:pPr algn="l" fontAlgn="ctr">
-              <a:lnSpc>
-                <a:spcPct val="120000"/>
-              </a:lnSpc>
-            </a:pPr>
-            <a:r>
-              <a:rPr lang="en-US" sz="2500" b="1" dirty="0">
-                <a:latin typeface="Arial Nova Light" panose="020B0304020202020204" pitchFamily="34" charset="0"/>
-              </a:rPr>
-              <a:t>git branch </a:t>
-            </a:r>
-            <a:r>
-              <a:rPr lang="en-US" sz="2500" dirty="0">
-                <a:latin typeface="Arial Nova Light" panose="020B0304020202020204" pitchFamily="34" charset="0"/>
-              </a:rPr>
-              <a:t>shows the branches being worked on locally.</a:t>
-            </a:r>
-          </a:p>
-          <a:p>
-            <a:pPr algn="l" fontAlgn="ctr">
-              <a:lnSpc>
-                <a:spcPct val="120000"/>
-              </a:lnSpc>
-            </a:pPr>
-            <a:r>
-              <a:rPr lang="en-US" sz="2500" b="1" dirty="0">
-                <a:latin typeface="Arial Nova Light" panose="020B0304020202020204" pitchFamily="34" charset="0"/>
-              </a:rPr>
-              <a:t>git merge </a:t>
-            </a:r>
-            <a:r>
-              <a:rPr lang="en-US" sz="2500" dirty="0">
-                <a:latin typeface="Arial Nova Light" panose="020B0304020202020204" pitchFamily="34" charset="0"/>
-              </a:rPr>
-              <a:t>merges lines of development together. This command is typically used to combine changes made on two distinct branches. For example, a developer would merge when they want to combine changes from a feature branch into the master branch for deployment.</a:t>
-            </a:r>
-          </a:p>
-          <a:p>
-            <a:pPr algn="l" fontAlgn="ctr">
-              <a:lnSpc>
-                <a:spcPct val="120000"/>
-              </a:lnSpc>
-            </a:pPr>
-            <a:r>
-              <a:rPr lang="en-US" sz="2500" b="1" dirty="0">
-                <a:latin typeface="Arial Nova Light" panose="020B0304020202020204" pitchFamily="34" charset="0"/>
-              </a:rPr>
-              <a:t>git pull </a:t>
-            </a:r>
-            <a:r>
-              <a:rPr lang="en-US" sz="2500" dirty="0">
-                <a:latin typeface="Arial Nova Light" panose="020B0304020202020204" pitchFamily="34" charset="0"/>
-              </a:rPr>
-              <a:t>updates the local line of development with updates from its remote counterpart. Developers use this command if a teammate has made commits to a branch on a remote, and they would like to reflect those changes in their local environment.</a:t>
-            </a:r>
-          </a:p>
-          <a:p>
-            <a:pPr algn="l" fontAlgn="ctr">
-              <a:lnSpc>
-                <a:spcPct val="120000"/>
-              </a:lnSpc>
-            </a:pPr>
-            <a:r>
-              <a:rPr lang="en-US" sz="2500" b="1" dirty="0">
-                <a:latin typeface="Arial Nova Light" panose="020B0304020202020204" pitchFamily="34" charset="0"/>
-              </a:rPr>
-              <a:t>git push </a:t>
-            </a:r>
-            <a:r>
-              <a:rPr lang="en-US" sz="2500" dirty="0">
-                <a:latin typeface="Arial Nova Light" panose="020B0304020202020204" pitchFamily="34" charset="0"/>
-              </a:rPr>
-              <a:t>updates the remote repository with any commits made locally to a branch.</a:t>
-            </a:r>
-          </a:p>
-          <a:p>
-            <a:pPr algn="l" fontAlgn="ctr">
-              <a:lnSpc>
-                <a:spcPct val="130000"/>
-              </a:lnSpc>
-            </a:pPr>
-            <a:endParaRPr lang="en-US" sz="1400" b="1" dirty="0">
-              <a:latin typeface="Arial Nova Light" panose="020B0304020202020204" pitchFamily="34" charset="0"/>
-            </a:endParaRPr>
-          </a:p>
-        </p:txBody>
-      </p:sp>
-    </p:spTree>
-    <p:extLst>
-      <p:ext uri="{BB962C8B-B14F-4D97-AF65-F5344CB8AC3E}">
-        <p14:creationId xmlns:p14="http://schemas.microsoft.com/office/powerpoint/2010/main" val="1283878377"/>
       </p:ext>
     </p:extLst>
   </p:cSld>
@@ -9809,4 +11140,299 @@
     </a:ext>
   </a:extLst>
 </a:theme>
+</file>
+
+<file path=ppt/theme/theme2.xml><?xml version="1.0" encoding="utf-8"?>
+<a:theme xmlns:a="http://schemas.openxmlformats.org/drawingml/2006/main" name="Office Theme">
+  <a:themeElements>
+    <a:clrScheme name="Office">
+      <a:dk1>
+        <a:sysClr val="windowText" lastClr="000000"/>
+      </a:dk1>
+      <a:lt1>
+        <a:sysClr val="window" lastClr="FFFFFF"/>
+      </a:lt1>
+      <a:dk2>
+        <a:srgbClr val="44546A"/>
+      </a:dk2>
+      <a:lt2>
+        <a:srgbClr val="E7E6E6"/>
+      </a:lt2>
+      <a:accent1>
+        <a:srgbClr val="4472C4"/>
+      </a:accent1>
+      <a:accent2>
+        <a:srgbClr val="ED7D31"/>
+      </a:accent2>
+      <a:accent3>
+        <a:srgbClr val="A5A5A5"/>
+      </a:accent3>
+      <a:accent4>
+        <a:srgbClr val="FFC000"/>
+      </a:accent4>
+      <a:accent5>
+        <a:srgbClr val="5B9BD5"/>
+      </a:accent5>
+      <a:accent6>
+        <a:srgbClr val="70AD47"/>
+      </a:accent6>
+      <a:hlink>
+        <a:srgbClr val="0563C1"/>
+      </a:hlink>
+      <a:folHlink>
+        <a:srgbClr val="954F72"/>
+      </a:folHlink>
+    </a:clrScheme>
+    <a:fontScheme name="Office">
+      <a:majorFont>
+        <a:latin typeface="Calibri Light" panose="020F0302020204030204"/>
+        <a:ea typeface=""/>
+        <a:cs typeface=""/>
+        <a:font script="Jpan" typeface="游ゴシック Light"/>
+        <a:font script="Hang" typeface="맑은 고딕"/>
+        <a:font script="Hans" typeface="等线 Light"/>
+        <a:font script="Hant" typeface="新細明體"/>
+        <a:font script="Arab" typeface="Times New Roman"/>
+        <a:font script="Hebr" typeface="Times New Roman"/>
+        <a:font script="Thai" typeface="Angsana New"/>
+        <a:font script="Ethi" typeface="Nyala"/>
+        <a:font script="Beng" typeface="Vrinda"/>
+        <a:font script="Gujr" typeface="Shruti"/>
+        <a:font script="Khmr" typeface="MoolBoran"/>
+        <a:font script="Knda" typeface="Tunga"/>
+        <a:font script="Guru" typeface="Raavi"/>
+        <a:font script="Cans" typeface="Euphemia"/>
+        <a:font script="Cher" typeface="Plantagenet Cherokee"/>
+        <a:font script="Yiii" typeface="Microsoft Yi Baiti"/>
+        <a:font script="Tibt" typeface="Microsoft Himalaya"/>
+        <a:font script="Thaa" typeface="MV Boli"/>
+        <a:font script="Deva" typeface="Mangal"/>
+        <a:font script="Telu" typeface="Gautami"/>
+        <a:font script="Taml" typeface="Latha"/>
+        <a:font script="Syrc" typeface="Estrangelo Edessa"/>
+        <a:font script="Orya" typeface="Kalinga"/>
+        <a:font script="Mlym" typeface="Kartika"/>
+        <a:font script="Laoo" typeface="DokChampa"/>
+        <a:font script="Sinh" typeface="Iskoola Pota"/>
+        <a:font script="Mong" typeface="Mongolian Baiti"/>
+        <a:font script="Viet" typeface="Times New Roman"/>
+        <a:font script="Uigh" typeface="Microsoft Uighur"/>
+        <a:font script="Geor" typeface="Sylfaen"/>
+        <a:font script="Armn" typeface="Arial"/>
+        <a:font script="Bugi" typeface="Leelawadee UI"/>
+        <a:font script="Bopo" typeface="Microsoft JhengHei"/>
+        <a:font script="Java" typeface="Javanese Text"/>
+        <a:font script="Lisu" typeface="Segoe UI"/>
+        <a:font script="Mymr" typeface="Myanmar Text"/>
+        <a:font script="Nkoo" typeface="Ebrima"/>
+        <a:font script="Olck" typeface="Nirmala UI"/>
+        <a:font script="Osma" typeface="Ebrima"/>
+        <a:font script="Phag" typeface="Phagspa"/>
+        <a:font script="Syrn" typeface="Estrangelo Edessa"/>
+        <a:font script="Syrj" typeface="Estrangelo Edessa"/>
+        <a:font script="Syre" typeface="Estrangelo Edessa"/>
+        <a:font script="Sora" typeface="Nirmala UI"/>
+        <a:font script="Tale" typeface="Microsoft Tai Le"/>
+        <a:font script="Talu" typeface="Microsoft New Tai Lue"/>
+        <a:font script="Tfng" typeface="Ebrima"/>
+      </a:majorFont>
+      <a:minorFont>
+        <a:latin typeface="Calibri" panose="020F0502020204030204"/>
+        <a:ea typeface=""/>
+        <a:cs typeface=""/>
+        <a:font script="Jpan" typeface="游ゴシック"/>
+        <a:font script="Hang" typeface="맑은 고딕"/>
+        <a:font script="Hans" typeface="等线"/>
+        <a:font script="Hant" typeface="新細明體"/>
+        <a:font script="Arab" typeface="Arial"/>
+        <a:font script="Hebr" typeface="Arial"/>
+        <a:font script="Thai" typeface="Cordia New"/>
+        <a:font script="Ethi" typeface="Nyala"/>
+        <a:font script="Beng" typeface="Vrinda"/>
+        <a:font script="Gujr" typeface="Shruti"/>
+        <a:font script="Khmr" typeface="DaunPenh"/>
+        <a:font script="Knda" typeface="Tunga"/>
+        <a:font script="Guru" typeface="Raavi"/>
+        <a:font script="Cans" typeface="Euphemia"/>
+        <a:font script="Cher" typeface="Plantagenet Cherokee"/>
+        <a:font script="Yiii" typeface="Microsoft Yi Baiti"/>
+        <a:font script="Tibt" typeface="Microsoft Himalaya"/>
+        <a:font script="Thaa" typeface="MV Boli"/>
+        <a:font script="Deva" typeface="Mangal"/>
+        <a:font script="Telu" typeface="Gautami"/>
+        <a:font script="Taml" typeface="Latha"/>
+        <a:font script="Syrc" typeface="Estrangelo Edessa"/>
+        <a:font script="Orya" typeface="Kalinga"/>
+        <a:font script="Mlym" typeface="Kartika"/>
+        <a:font script="Laoo" typeface="DokChampa"/>
+        <a:font script="Sinh" typeface="Iskoola Pota"/>
+        <a:font script="Mong" typeface="Mongolian Baiti"/>
+        <a:font script="Viet" typeface="Arial"/>
+        <a:font script="Uigh" typeface="Microsoft Uighur"/>
+        <a:font script="Geor" typeface="Sylfaen"/>
+        <a:font script="Armn" typeface="Arial"/>
+        <a:font script="Bugi" typeface="Leelawadee UI"/>
+        <a:font script="Bopo" typeface="Microsoft JhengHei"/>
+        <a:font script="Java" typeface="Javanese Text"/>
+        <a:font script="Lisu" typeface="Segoe UI"/>
+        <a:font script="Mymr" typeface="Myanmar Text"/>
+        <a:font script="Nkoo" typeface="Ebrima"/>
+        <a:font script="Olck" typeface="Nirmala UI"/>
+        <a:font script="Osma" typeface="Ebrima"/>
+        <a:font script="Phag" typeface="Phagspa"/>
+        <a:font script="Syrn" typeface="Estrangelo Edessa"/>
+        <a:font script="Syrj" typeface="Estrangelo Edessa"/>
+        <a:font script="Syre" typeface="Estrangelo Edessa"/>
+        <a:font script="Sora" typeface="Nirmala UI"/>
+        <a:font script="Tale" typeface="Microsoft Tai Le"/>
+        <a:font script="Talu" typeface="Microsoft New Tai Lue"/>
+        <a:font script="Tfng" typeface="Ebrima"/>
+      </a:minorFont>
+    </a:fontScheme>
+    <a:fmtScheme name="Office">
+      <a:fillStyleLst>
+        <a:solidFill>
+          <a:schemeClr val="phClr"/>
+        </a:solidFill>
+        <a:gradFill rotWithShape="1">
+          <a:gsLst>
+            <a:gs pos="0">
+              <a:schemeClr val="phClr">
+                <a:lumMod val="110000"/>
+                <a:satMod val="105000"/>
+                <a:tint val="67000"/>
+              </a:schemeClr>
+            </a:gs>
+            <a:gs pos="50000">
+              <a:schemeClr val="phClr">
+                <a:lumMod val="105000"/>
+                <a:satMod val="103000"/>
+                <a:tint val="73000"/>
+              </a:schemeClr>
+            </a:gs>
+            <a:gs pos="100000">
+              <a:schemeClr val="phClr">
+                <a:lumMod val="105000"/>
+                <a:satMod val="109000"/>
+                <a:tint val="81000"/>
+              </a:schemeClr>
+            </a:gs>
+          </a:gsLst>
+          <a:lin ang="5400000" scaled="0"/>
+        </a:gradFill>
+        <a:gradFill rotWithShape="1">
+          <a:gsLst>
+            <a:gs pos="0">
+              <a:schemeClr val="phClr">
+                <a:satMod val="103000"/>
+                <a:lumMod val="102000"/>
+                <a:tint val="94000"/>
+              </a:schemeClr>
+            </a:gs>
+            <a:gs pos="50000">
+              <a:schemeClr val="phClr">
+                <a:satMod val="110000"/>
+                <a:lumMod val="100000"/>
+                <a:shade val="100000"/>
+              </a:schemeClr>
+            </a:gs>
+            <a:gs pos="100000">
+              <a:schemeClr val="phClr">
+                <a:lumMod val="99000"/>
+                <a:satMod val="120000"/>
+                <a:shade val="78000"/>
+              </a:schemeClr>
+            </a:gs>
+          </a:gsLst>
+          <a:lin ang="5400000" scaled="0"/>
+        </a:gradFill>
+      </a:fillStyleLst>
+      <a:lnStyleLst>
+        <a:ln w="6350" cap="flat" cmpd="sng" algn="ctr">
+          <a:solidFill>
+            <a:schemeClr val="phClr"/>
+          </a:solidFill>
+          <a:prstDash val="solid"/>
+          <a:miter lim="800000"/>
+        </a:ln>
+        <a:ln w="12700" cap="flat" cmpd="sng" algn="ctr">
+          <a:solidFill>
+            <a:schemeClr val="phClr"/>
+          </a:solidFill>
+          <a:prstDash val="solid"/>
+          <a:miter lim="800000"/>
+        </a:ln>
+        <a:ln w="19050" cap="flat" cmpd="sng" algn="ctr">
+          <a:solidFill>
+            <a:schemeClr val="phClr"/>
+          </a:solidFill>
+          <a:prstDash val="solid"/>
+          <a:miter lim="800000"/>
+        </a:ln>
+      </a:lnStyleLst>
+      <a:effectStyleLst>
+        <a:effectStyle>
+          <a:effectLst/>
+        </a:effectStyle>
+        <a:effectStyle>
+          <a:effectLst/>
+        </a:effectStyle>
+        <a:effectStyle>
+          <a:effectLst>
+            <a:outerShdw blurRad="57150" dist="19050" dir="5400000" algn="ctr" rotWithShape="0">
+              <a:srgbClr val="000000">
+                <a:alpha val="63000"/>
+              </a:srgbClr>
+            </a:outerShdw>
+          </a:effectLst>
+        </a:effectStyle>
+      </a:effectStyleLst>
+      <a:bgFillStyleLst>
+        <a:solidFill>
+          <a:schemeClr val="phClr"/>
+        </a:solidFill>
+        <a:solidFill>
+          <a:schemeClr val="phClr">
+            <a:tint val="95000"/>
+            <a:satMod val="170000"/>
+          </a:schemeClr>
+        </a:solidFill>
+        <a:gradFill rotWithShape="1">
+          <a:gsLst>
+            <a:gs pos="0">
+              <a:schemeClr val="phClr">
+                <a:tint val="93000"/>
+                <a:satMod val="150000"/>
+                <a:shade val="98000"/>
+                <a:lumMod val="102000"/>
+              </a:schemeClr>
+            </a:gs>
+            <a:gs pos="50000">
+              <a:schemeClr val="phClr">
+                <a:tint val="98000"/>
+                <a:satMod val="130000"/>
+                <a:shade val="90000"/>
+                <a:lumMod val="103000"/>
+              </a:schemeClr>
+            </a:gs>
+            <a:gs pos="100000">
+              <a:schemeClr val="phClr">
+                <a:shade val="63000"/>
+                <a:satMod val="120000"/>
+              </a:schemeClr>
+            </a:gs>
+          </a:gsLst>
+          <a:lin ang="5400000" scaled="0"/>
+        </a:gradFill>
+      </a:bgFillStyleLst>
+    </a:fmtScheme>
+  </a:themeElements>
+  <a:objectDefaults/>
+  <a:extraClrSchemeLst/>
+  <a:extLst>
+    <a:ext uri="{05A4C25C-085E-4340-85A3-A5531E510DB2}">
+      <thm15:themeFamily xmlns:thm15="http://schemas.microsoft.com/office/thememl/2012/main" name="Office Theme" id="{62F939B6-93AF-4DB8-9C6B-D6C7DFDC589F}" vid="{4A3C46E8-61CC-4603-A589-7422A47A8E4A}"/>
+    </a:ext>
+  </a:extLst>
+</a:theme>
 </file>